--- a/bismillah sidang.pptx
+++ b/bismillah sidang.pptx
@@ -5,44 +5,46 @@
     <p:sldMasterId id="2147483660" r:id="rId1"/>
   </p:sldMasterIdLst>
   <p:notesMasterIdLst>
-    <p:notesMasterId r:id="rId13"/>
+    <p:notesMasterId r:id="rId15"/>
   </p:notesMasterIdLst>
   <p:sldIdLst>
     <p:sldId id="256" r:id="rId2"/>
     <p:sldId id="259" r:id="rId3"/>
     <p:sldId id="269" r:id="rId4"/>
     <p:sldId id="289" r:id="rId5"/>
-    <p:sldId id="268" r:id="rId6"/>
-    <p:sldId id="271" r:id="rId7"/>
-    <p:sldId id="292" r:id="rId8"/>
-    <p:sldId id="293" r:id="rId9"/>
-    <p:sldId id="294" r:id="rId10"/>
-    <p:sldId id="295" r:id="rId11"/>
-    <p:sldId id="280" r:id="rId12"/>
+    <p:sldId id="297" r:id="rId6"/>
+    <p:sldId id="268" r:id="rId7"/>
+    <p:sldId id="271" r:id="rId8"/>
+    <p:sldId id="292" r:id="rId9"/>
+    <p:sldId id="293" r:id="rId10"/>
+    <p:sldId id="294" r:id="rId11"/>
+    <p:sldId id="295" r:id="rId12"/>
+    <p:sldId id="296" r:id="rId13"/>
+    <p:sldId id="280" r:id="rId14"/>
   </p:sldIdLst>
   <p:sldSz cx="9144000" cy="5143500" type="screen16x9"/>
   <p:notesSz cx="6858000" cy="9144000"/>
   <p:embeddedFontLst>
     <p:embeddedFont>
       <p:font typeface="Fira Sans Extra Condensed Medium" panose="020B0604020202020204" charset="0"/>
-      <p:regular r:id="rId14"/>
-      <p:bold r:id="rId15"/>
-      <p:italic r:id="rId16"/>
-      <p:boldItalic r:id="rId17"/>
+      <p:regular r:id="rId16"/>
+      <p:bold r:id="rId17"/>
+      <p:italic r:id="rId18"/>
+      <p:boldItalic r:id="rId19"/>
     </p:embeddedFont>
     <p:embeddedFont>
       <p:font typeface="Fira Sans Extra Condensed SemiBold" panose="020B0604020202020204" charset="0"/>
-      <p:regular r:id="rId18"/>
-      <p:bold r:id="rId19"/>
-      <p:italic r:id="rId20"/>
-      <p:boldItalic r:id="rId21"/>
+      <p:regular r:id="rId20"/>
+      <p:bold r:id="rId21"/>
+      <p:italic r:id="rId22"/>
+      <p:boldItalic r:id="rId23"/>
     </p:embeddedFont>
     <p:embeddedFont>
       <p:font typeface="Roboto" panose="02000000000000000000" pitchFamily="2" charset="0"/>
-      <p:regular r:id="rId22"/>
-      <p:bold r:id="rId23"/>
-      <p:italic r:id="rId24"/>
-      <p:boldItalic r:id="rId25"/>
+      <p:regular r:id="rId24"/>
+      <p:bold r:id="rId25"/>
+      <p:italic r:id="rId26"/>
+      <p:boldItalic r:id="rId27"/>
     </p:embeddedFont>
   </p:embeddedFontLst>
   <p:defaultTextStyle>
@@ -926,6 +928,115 @@
     </p:spTree>
     <p:extLst>
       <p:ext uri="{BB962C8B-B14F-4D97-AF65-F5344CB8AC3E}">
+        <p14:creationId xmlns:p14="http://schemas.microsoft.com/office/powerpoint/2010/main" val="2472413589"/>
+      </p:ext>
+    </p:extLst>
+  </p:cSld>
+  <p:clrMapOvr>
+    <a:masterClrMapping/>
+  </p:clrMapOvr>
+</p:notes>
+</file>
+
+<file path=ppt/notesSlides/notesSlide11.xml><?xml version="1.0" encoding="utf-8"?>
+<p:notes xmlns:a="http://schemas.openxmlformats.org/drawingml/2006/main" xmlns:r="http://schemas.openxmlformats.org/officeDocument/2006/relationships" xmlns:p="http://schemas.openxmlformats.org/presentationml/2006/main" showMasterSp="0" showMasterPhAnim="0">
+  <p:cSld>
+    <p:spTree>
+      <p:nvGrpSpPr>
+        <p:cNvPr id="1" name="Shape 861"/>
+        <p:cNvGrpSpPr/>
+        <p:nvPr/>
+      </p:nvGrpSpPr>
+      <p:grpSpPr>
+        <a:xfrm>
+          <a:off x="0" y="0"/>
+          <a:ext cx="0" cy="0"/>
+          <a:chOff x="0" y="0"/>
+          <a:chExt cx="0" cy="0"/>
+        </a:xfrm>
+      </p:grpSpPr>
+      <p:sp>
+        <p:nvSpPr>
+          <p:cNvPr id="862" name="Google Shape;862;gde8180861a_0_43:notes"/>
+          <p:cNvSpPr>
+            <a:spLocks noGrp="1" noRot="1" noChangeAspect="1"/>
+          </p:cNvSpPr>
+          <p:nvPr>
+            <p:ph type="sldImg" idx="2"/>
+          </p:nvPr>
+        </p:nvSpPr>
+        <p:spPr>
+          <a:xfrm>
+            <a:off x="381000" y="685800"/>
+            <a:ext cx="6096000" cy="3429000"/>
+          </a:xfrm>
+          <a:custGeom>
+            <a:avLst/>
+            <a:gdLst/>
+            <a:ahLst/>
+            <a:cxnLst/>
+            <a:rect l="l" t="t" r="r" b="b"/>
+            <a:pathLst>
+              <a:path w="120000" h="120000" extrusionOk="0">
+                <a:moveTo>
+                  <a:pt x="0" y="0"/>
+                </a:moveTo>
+                <a:lnTo>
+                  <a:pt x="120000" y="0"/>
+                </a:lnTo>
+                <a:lnTo>
+                  <a:pt x="120000" y="120000"/>
+                </a:lnTo>
+                <a:lnTo>
+                  <a:pt x="0" y="120000"/>
+                </a:lnTo>
+                <a:close/>
+              </a:path>
+            </a:pathLst>
+          </a:custGeom>
+        </p:spPr>
+      </p:sp>
+      <p:sp>
+        <p:nvSpPr>
+          <p:cNvPr id="863" name="Google Shape;863;gde8180861a_0_43:notes"/>
+          <p:cNvSpPr txBox="1">
+            <a:spLocks noGrp="1"/>
+          </p:cNvSpPr>
+          <p:nvPr>
+            <p:ph type="body" idx="1"/>
+          </p:nvPr>
+        </p:nvSpPr>
+        <p:spPr>
+          <a:xfrm>
+            <a:off x="685800" y="4343400"/>
+            <a:ext cx="5486400" cy="4114800"/>
+          </a:xfrm>
+          <a:prstGeom prst="rect">
+            <a:avLst/>
+          </a:prstGeom>
+        </p:spPr>
+        <p:txBody>
+          <a:bodyPr spcFirstLastPara="1" wrap="square" lIns="91425" tIns="91425" rIns="91425" bIns="91425" anchor="t" anchorCtr="0">
+            <a:noAutofit/>
+          </a:bodyPr>
+          <a:lstStyle/>
+          <a:p>
+            <a:pPr marL="0" lvl="0" indent="0" algn="l" rtl="0">
+              <a:spcBef>
+                <a:spcPts val="0"/>
+              </a:spcBef>
+              <a:spcAft>
+                <a:spcPts val="0"/>
+              </a:spcAft>
+              <a:buNone/>
+            </a:pPr>
+            <a:endParaRPr/>
+          </a:p>
+        </p:txBody>
+      </p:sp>
+    </p:spTree>
+    <p:extLst>
+      <p:ext uri="{BB962C8B-B14F-4D97-AF65-F5344CB8AC3E}">
         <p14:creationId xmlns:p14="http://schemas.microsoft.com/office/powerpoint/2010/main" val="2412539863"/>
       </p:ext>
     </p:extLst>
@@ -936,7 +1047,116 @@
 </p:notes>
 </file>
 
-<file path=ppt/notesSlides/notesSlide11.xml><?xml version="1.0" encoding="utf-8"?>
+<file path=ppt/notesSlides/notesSlide12.xml><?xml version="1.0" encoding="utf-8"?>
+<p:notes xmlns:a="http://schemas.openxmlformats.org/drawingml/2006/main" xmlns:r="http://schemas.openxmlformats.org/officeDocument/2006/relationships" xmlns:p="http://schemas.openxmlformats.org/presentationml/2006/main" showMasterSp="0" showMasterPhAnim="0">
+  <p:cSld>
+    <p:spTree>
+      <p:nvGrpSpPr>
+        <p:cNvPr id="1" name="Shape 1569"/>
+        <p:cNvGrpSpPr/>
+        <p:nvPr/>
+      </p:nvGrpSpPr>
+      <p:grpSpPr>
+        <a:xfrm>
+          <a:off x="0" y="0"/>
+          <a:ext cx="0" cy="0"/>
+          <a:chOff x="0" y="0"/>
+          <a:chExt cx="0" cy="0"/>
+        </a:xfrm>
+      </p:grpSpPr>
+      <p:sp>
+        <p:nvSpPr>
+          <p:cNvPr id="1570" name="Google Shape;1570;gde8180861a_0_20:notes"/>
+          <p:cNvSpPr>
+            <a:spLocks noGrp="1" noRot="1" noChangeAspect="1"/>
+          </p:cNvSpPr>
+          <p:nvPr>
+            <p:ph type="sldImg" idx="2"/>
+          </p:nvPr>
+        </p:nvSpPr>
+        <p:spPr>
+          <a:xfrm>
+            <a:off x="381000" y="685800"/>
+            <a:ext cx="6096000" cy="3429000"/>
+          </a:xfrm>
+          <a:custGeom>
+            <a:avLst/>
+            <a:gdLst/>
+            <a:ahLst/>
+            <a:cxnLst/>
+            <a:rect l="l" t="t" r="r" b="b"/>
+            <a:pathLst>
+              <a:path w="120000" h="120000" extrusionOk="0">
+                <a:moveTo>
+                  <a:pt x="0" y="0"/>
+                </a:moveTo>
+                <a:lnTo>
+                  <a:pt x="120000" y="0"/>
+                </a:lnTo>
+                <a:lnTo>
+                  <a:pt x="120000" y="120000"/>
+                </a:lnTo>
+                <a:lnTo>
+                  <a:pt x="0" y="120000"/>
+                </a:lnTo>
+                <a:close/>
+              </a:path>
+            </a:pathLst>
+          </a:custGeom>
+        </p:spPr>
+      </p:sp>
+      <p:sp>
+        <p:nvSpPr>
+          <p:cNvPr id="1571" name="Google Shape;1571;gde8180861a_0_20:notes"/>
+          <p:cNvSpPr txBox="1">
+            <a:spLocks noGrp="1"/>
+          </p:cNvSpPr>
+          <p:nvPr>
+            <p:ph type="body" idx="1"/>
+          </p:nvPr>
+        </p:nvSpPr>
+        <p:spPr>
+          <a:xfrm>
+            <a:off x="685800" y="4343400"/>
+            <a:ext cx="5486400" cy="4114800"/>
+          </a:xfrm>
+          <a:prstGeom prst="rect">
+            <a:avLst/>
+          </a:prstGeom>
+        </p:spPr>
+        <p:txBody>
+          <a:bodyPr spcFirstLastPara="1" wrap="square" lIns="91425" tIns="91425" rIns="91425" bIns="91425" anchor="t" anchorCtr="0">
+            <a:noAutofit/>
+          </a:bodyPr>
+          <a:lstStyle/>
+          <a:p>
+            <a:pPr marL="0" lvl="0" indent="0" algn="l" rtl="0">
+              <a:spcBef>
+                <a:spcPts val="0"/>
+              </a:spcBef>
+              <a:spcAft>
+                <a:spcPts val="0"/>
+              </a:spcAft>
+              <a:buNone/>
+            </a:pPr>
+            <a:endParaRPr/>
+          </a:p>
+        </p:txBody>
+      </p:sp>
+    </p:spTree>
+    <p:extLst>
+      <p:ext uri="{BB962C8B-B14F-4D97-AF65-F5344CB8AC3E}">
+        <p14:creationId xmlns:p14="http://schemas.microsoft.com/office/powerpoint/2010/main" val="2540030345"/>
+      </p:ext>
+    </p:extLst>
+  </p:cSld>
+  <p:clrMapOvr>
+    <a:masterClrMapping/>
+  </p:clrMapOvr>
+</p:notes>
+</file>
+
+<file path=ppt/notesSlides/notesSlide13.xml><?xml version="1.0" encoding="utf-8"?>
 <p:notes xmlns:a="http://schemas.openxmlformats.org/drawingml/2006/main" xmlns:r="http://schemas.openxmlformats.org/officeDocument/2006/relationships" xmlns:p="http://schemas.openxmlformats.org/presentationml/2006/main" showMasterSp="0" showMasterPhAnim="0">
   <p:cSld>
     <p:spTree>
@@ -1362,6 +1582,115 @@
   <p:cSld>
     <p:spTree>
       <p:nvGrpSpPr>
+        <p:cNvPr id="1" name="Shape 795"/>
+        <p:cNvGrpSpPr/>
+        <p:nvPr/>
+      </p:nvGrpSpPr>
+      <p:grpSpPr>
+        <a:xfrm>
+          <a:off x="0" y="0"/>
+          <a:ext cx="0" cy="0"/>
+          <a:chOff x="0" y="0"/>
+          <a:chExt cx="0" cy="0"/>
+        </a:xfrm>
+      </p:grpSpPr>
+      <p:sp>
+        <p:nvSpPr>
+          <p:cNvPr id="796" name="Google Shape;796;gde8180861a_0_140:notes"/>
+          <p:cNvSpPr>
+            <a:spLocks noGrp="1" noRot="1" noChangeAspect="1"/>
+          </p:cNvSpPr>
+          <p:nvPr>
+            <p:ph type="sldImg" idx="2"/>
+          </p:nvPr>
+        </p:nvSpPr>
+        <p:spPr>
+          <a:xfrm>
+            <a:off x="381000" y="685800"/>
+            <a:ext cx="6096000" cy="3429000"/>
+          </a:xfrm>
+          <a:custGeom>
+            <a:avLst/>
+            <a:gdLst/>
+            <a:ahLst/>
+            <a:cxnLst/>
+            <a:rect l="l" t="t" r="r" b="b"/>
+            <a:pathLst>
+              <a:path w="120000" h="120000" extrusionOk="0">
+                <a:moveTo>
+                  <a:pt x="0" y="0"/>
+                </a:moveTo>
+                <a:lnTo>
+                  <a:pt x="120000" y="0"/>
+                </a:lnTo>
+                <a:lnTo>
+                  <a:pt x="120000" y="120000"/>
+                </a:lnTo>
+                <a:lnTo>
+                  <a:pt x="0" y="120000"/>
+                </a:lnTo>
+                <a:close/>
+              </a:path>
+            </a:pathLst>
+          </a:custGeom>
+        </p:spPr>
+      </p:sp>
+      <p:sp>
+        <p:nvSpPr>
+          <p:cNvPr id="797" name="Google Shape;797;gde8180861a_0_140:notes"/>
+          <p:cNvSpPr txBox="1">
+            <a:spLocks noGrp="1"/>
+          </p:cNvSpPr>
+          <p:nvPr>
+            <p:ph type="body" idx="1"/>
+          </p:nvPr>
+        </p:nvSpPr>
+        <p:spPr>
+          <a:xfrm>
+            <a:off x="685800" y="4343400"/>
+            <a:ext cx="5486400" cy="4114800"/>
+          </a:xfrm>
+          <a:prstGeom prst="rect">
+            <a:avLst/>
+          </a:prstGeom>
+        </p:spPr>
+        <p:txBody>
+          <a:bodyPr spcFirstLastPara="1" wrap="square" lIns="91425" tIns="91425" rIns="91425" bIns="91425" anchor="t" anchorCtr="0">
+            <a:noAutofit/>
+          </a:bodyPr>
+          <a:lstStyle/>
+          <a:p>
+            <a:pPr marL="0" lvl="0" indent="0" algn="l" rtl="0">
+              <a:spcBef>
+                <a:spcPts val="0"/>
+              </a:spcBef>
+              <a:spcAft>
+                <a:spcPts val="0"/>
+              </a:spcAft>
+              <a:buNone/>
+            </a:pPr>
+            <a:endParaRPr/>
+          </a:p>
+        </p:txBody>
+      </p:sp>
+    </p:spTree>
+    <p:extLst>
+      <p:ext uri="{BB962C8B-B14F-4D97-AF65-F5344CB8AC3E}">
+        <p14:creationId xmlns:p14="http://schemas.microsoft.com/office/powerpoint/2010/main" val="1054110617"/>
+      </p:ext>
+    </p:extLst>
+  </p:cSld>
+  <p:clrMapOvr>
+    <a:masterClrMapping/>
+  </p:clrMapOvr>
+</p:notes>
+</file>
+
+<file path=ppt/notesSlides/notesSlide6.xml><?xml version="1.0" encoding="utf-8"?>
+<p:notes xmlns:a="http://schemas.openxmlformats.org/drawingml/2006/main" xmlns:r="http://schemas.openxmlformats.org/officeDocument/2006/relationships" xmlns:p="http://schemas.openxmlformats.org/presentationml/2006/main" showMasterSp="0" showMasterPhAnim="0">
+  <p:cSld>
+    <p:spTree>
+      <p:nvGrpSpPr>
         <p:cNvPr id="1" name="Shape 766"/>
         <p:cNvGrpSpPr/>
         <p:nvPr/>
@@ -1450,110 +1779,6 @@
               <a:buNone/>
             </a:pPr>
             <a:endParaRPr dirty="0"/>
-          </a:p>
-        </p:txBody>
-      </p:sp>
-    </p:spTree>
-  </p:cSld>
-  <p:clrMapOvr>
-    <a:masterClrMapping/>
-  </p:clrMapOvr>
-</p:notes>
-</file>
-
-<file path=ppt/notesSlides/notesSlide6.xml><?xml version="1.0" encoding="utf-8"?>
-<p:notes xmlns:a="http://schemas.openxmlformats.org/drawingml/2006/main" xmlns:r="http://schemas.openxmlformats.org/officeDocument/2006/relationships" xmlns:p="http://schemas.openxmlformats.org/presentationml/2006/main" showMasterSp="0" showMasterPhAnim="0">
-  <p:cSld>
-    <p:spTree>
-      <p:nvGrpSpPr>
-        <p:cNvPr id="1" name="Shape 861"/>
-        <p:cNvGrpSpPr/>
-        <p:nvPr/>
-      </p:nvGrpSpPr>
-      <p:grpSpPr>
-        <a:xfrm>
-          <a:off x="0" y="0"/>
-          <a:ext cx="0" cy="0"/>
-          <a:chOff x="0" y="0"/>
-          <a:chExt cx="0" cy="0"/>
-        </a:xfrm>
-      </p:grpSpPr>
-      <p:sp>
-        <p:nvSpPr>
-          <p:cNvPr id="862" name="Google Shape;862;gde8180861a_0_43:notes"/>
-          <p:cNvSpPr>
-            <a:spLocks noGrp="1" noRot="1" noChangeAspect="1"/>
-          </p:cNvSpPr>
-          <p:nvPr>
-            <p:ph type="sldImg" idx="2"/>
-          </p:nvPr>
-        </p:nvSpPr>
-        <p:spPr>
-          <a:xfrm>
-            <a:off x="381000" y="685800"/>
-            <a:ext cx="6096000" cy="3429000"/>
-          </a:xfrm>
-          <a:custGeom>
-            <a:avLst/>
-            <a:gdLst/>
-            <a:ahLst/>
-            <a:cxnLst/>
-            <a:rect l="l" t="t" r="r" b="b"/>
-            <a:pathLst>
-              <a:path w="120000" h="120000" extrusionOk="0">
-                <a:moveTo>
-                  <a:pt x="0" y="0"/>
-                </a:moveTo>
-                <a:lnTo>
-                  <a:pt x="120000" y="0"/>
-                </a:lnTo>
-                <a:lnTo>
-                  <a:pt x="120000" y="120000"/>
-                </a:lnTo>
-                <a:lnTo>
-                  <a:pt x="0" y="120000"/>
-                </a:lnTo>
-                <a:close/>
-              </a:path>
-            </a:pathLst>
-          </a:custGeom>
-        </p:spPr>
-      </p:sp>
-      <p:sp>
-        <p:nvSpPr>
-          <p:cNvPr id="863" name="Google Shape;863;gde8180861a_0_43:notes"/>
-          <p:cNvSpPr txBox="1">
-            <a:spLocks noGrp="1"/>
-          </p:cNvSpPr>
-          <p:nvPr>
-            <p:ph type="body" idx="1"/>
-          </p:nvPr>
-        </p:nvSpPr>
-        <p:spPr>
-          <a:xfrm>
-            <a:off x="685800" y="4343400"/>
-            <a:ext cx="5486400" cy="4114800"/>
-          </a:xfrm>
-          <a:prstGeom prst="rect">
-            <a:avLst/>
-          </a:prstGeom>
-        </p:spPr>
-        <p:txBody>
-          <a:bodyPr spcFirstLastPara="1" wrap="square" lIns="91425" tIns="91425" rIns="91425" bIns="91425" anchor="t" anchorCtr="0">
-            <a:noAutofit/>
-          </a:bodyPr>
-          <a:lstStyle/>
-          <a:p>
-            <a:pPr marL="0" lvl="0" indent="0" algn="l" rtl="0">
-              <a:spcBef>
-                <a:spcPts val="0"/>
-              </a:spcBef>
-              <a:spcAft>
-                <a:spcPts val="0"/>
-              </a:spcAft>
-              <a:buNone/>
-            </a:pPr>
-            <a:endParaRPr/>
           </a:p>
         </p:txBody>
       </p:sp>
@@ -1662,11 +1887,6 @@
         </p:txBody>
       </p:sp>
     </p:spTree>
-    <p:extLst>
-      <p:ext uri="{BB962C8B-B14F-4D97-AF65-F5344CB8AC3E}">
-        <p14:creationId xmlns:p14="http://schemas.microsoft.com/office/powerpoint/2010/main" val="2018888193"/>
-      </p:ext>
-    </p:extLst>
   </p:cSld>
   <p:clrMapOvr>
     <a:masterClrMapping/>
@@ -1773,7 +1993,7 @@
     </p:spTree>
     <p:extLst>
       <p:ext uri="{BB962C8B-B14F-4D97-AF65-F5344CB8AC3E}">
-        <p14:creationId xmlns:p14="http://schemas.microsoft.com/office/powerpoint/2010/main" val="88885359"/>
+        <p14:creationId xmlns:p14="http://schemas.microsoft.com/office/powerpoint/2010/main" val="2018888193"/>
       </p:ext>
     </p:extLst>
   </p:cSld>
@@ -1882,7 +2102,7 @@
     </p:spTree>
     <p:extLst>
       <p:ext uri="{BB962C8B-B14F-4D97-AF65-F5344CB8AC3E}">
-        <p14:creationId xmlns:p14="http://schemas.microsoft.com/office/powerpoint/2010/main" val="2472413589"/>
+        <p14:creationId xmlns:p14="http://schemas.microsoft.com/office/powerpoint/2010/main" val="88885359"/>
       </p:ext>
     </p:extLst>
   </p:cSld>
@@ -6395,7 +6615,7 @@
         </p:nvSpPr>
         <p:spPr>
           <a:xfrm>
-            <a:off x="4556625" y="3491669"/>
+            <a:off x="3921651" y="4164022"/>
             <a:ext cx="4114800" cy="340500"/>
           </a:xfrm>
           <a:prstGeom prst="rect">
@@ -6408,7 +6628,7 @@
           </a:bodyPr>
           <a:lstStyle/>
           <a:p>
-            <a:pPr marL="0" lvl="0" indent="0" algn="r" rtl="0">
+            <a:pPr marL="0" lvl="0" indent="0" algn="ctr" rtl="0">
               <a:spcBef>
                 <a:spcPts val="0"/>
               </a:spcBef>
@@ -6423,7 +6643,7 @@
             </a:r>
           </a:p>
           <a:p>
-            <a:pPr marL="0" lvl="0" indent="0" algn="r" rtl="0">
+            <a:pPr marL="0" lvl="0" indent="0" algn="ctr" rtl="0">
               <a:spcBef>
                 <a:spcPts val="0"/>
               </a:spcBef>
@@ -6520,8 +6740,38 @@
         </p:blipFill>
         <p:spPr>
           <a:xfrm>
-            <a:off x="120164" y="1117765"/>
-            <a:ext cx="3886200" cy="3781425"/>
+            <a:off x="120164" y="1330526"/>
+            <a:ext cx="3667544" cy="3568664"/>
+          </a:xfrm>
+          <a:prstGeom prst="rect">
+            <a:avLst/>
+          </a:prstGeom>
+        </p:spPr>
+      </p:pic>
+      <p:pic>
+        <p:nvPicPr>
+          <p:cNvPr id="4" name="Picture 3">
+            <a:extLst>
+              <a:ext uri="{FF2B5EF4-FFF2-40B4-BE49-F238E27FC236}">
+                <a16:creationId xmlns:a16="http://schemas.microsoft.com/office/drawing/2014/main" id="{0B8BE874-1A10-4C8D-9430-0436C1A25880}"/>
+              </a:ext>
+            </a:extLst>
+          </p:cNvPr>
+          <p:cNvPicPr>
+            <a:picLocks noChangeAspect="1"/>
+          </p:cNvPicPr>
+          <p:nvPr/>
+        </p:nvPicPr>
+        <p:blipFill>
+          <a:blip r:embed="rId4"/>
+          <a:stretch>
+            <a:fillRect/>
+          </a:stretch>
+        </p:blipFill>
+        <p:spPr>
+          <a:xfrm>
+            <a:off x="5227534" y="2379408"/>
+            <a:ext cx="1503033" cy="1196228"/>
           </a:xfrm>
           <a:prstGeom prst="rect">
             <a:avLst/>
@@ -6537,6 +6787,94 @@
 </file>
 
 <file path=ppt/slides/slide10.xml><?xml version="1.0" encoding="utf-8"?>
+<p:sld xmlns:a="http://schemas.openxmlformats.org/drawingml/2006/main" xmlns:r="http://schemas.openxmlformats.org/officeDocument/2006/relationships" xmlns:p="http://schemas.openxmlformats.org/presentationml/2006/main">
+  <p:cSld>
+    <p:spTree>
+      <p:nvGrpSpPr>
+        <p:cNvPr id="1" name="Shape 864"/>
+        <p:cNvGrpSpPr/>
+        <p:nvPr/>
+      </p:nvGrpSpPr>
+      <p:grpSpPr>
+        <a:xfrm>
+          <a:off x="0" y="0"/>
+          <a:ext cx="0" cy="0"/>
+          <a:chOff x="0" y="0"/>
+          <a:chExt cx="0" cy="0"/>
+        </a:xfrm>
+      </p:grpSpPr>
+      <p:sp>
+        <p:nvSpPr>
+          <p:cNvPr id="865" name="Google Shape;865;p29"/>
+          <p:cNvSpPr txBox="1">
+            <a:spLocks noGrp="1"/>
+          </p:cNvSpPr>
+          <p:nvPr>
+            <p:ph type="title"/>
+          </p:nvPr>
+        </p:nvSpPr>
+        <p:spPr>
+          <a:xfrm>
+            <a:off x="1711905" y="101590"/>
+            <a:ext cx="5971429" cy="302170"/>
+          </a:xfrm>
+        </p:spPr>
+        <p:txBody>
+          <a:bodyPr/>
+          <a:lstStyle/>
+          <a:p>
+            <a:pPr lvl="0"/>
+            <a:r>
+              <a:rPr lang="id-ID" dirty="0"/>
+              <a:t>Usecase diagram yang diusulkan</a:t>
+            </a:r>
+          </a:p>
+        </p:txBody>
+      </p:sp>
+      <p:pic>
+        <p:nvPicPr>
+          <p:cNvPr id="3" name="Picture 2">
+            <a:extLst>
+              <a:ext uri="{FF2B5EF4-FFF2-40B4-BE49-F238E27FC236}">
+                <a16:creationId xmlns:a16="http://schemas.microsoft.com/office/drawing/2014/main" id="{AC050226-5AB9-4C49-BF2D-E0C29F2C9A2A}"/>
+              </a:ext>
+            </a:extLst>
+          </p:cNvPr>
+          <p:cNvPicPr>
+            <a:picLocks noChangeAspect="1"/>
+          </p:cNvPicPr>
+          <p:nvPr/>
+        </p:nvPicPr>
+        <p:blipFill>
+          <a:blip r:embed="rId3"/>
+          <a:stretch>
+            <a:fillRect/>
+          </a:stretch>
+        </p:blipFill>
+        <p:spPr>
+          <a:xfrm>
+            <a:off x="430306" y="730645"/>
+            <a:ext cx="8283388" cy="4412855"/>
+          </a:xfrm>
+          <a:prstGeom prst="rect">
+            <a:avLst/>
+          </a:prstGeom>
+        </p:spPr>
+      </p:pic>
+    </p:spTree>
+    <p:extLst>
+      <p:ext uri="{BB962C8B-B14F-4D97-AF65-F5344CB8AC3E}">
+        <p14:creationId xmlns:p14="http://schemas.microsoft.com/office/powerpoint/2010/main" val="3205348022"/>
+      </p:ext>
+    </p:extLst>
+  </p:cSld>
+  <p:clrMapOvr>
+    <a:masterClrMapping/>
+  </p:clrMapOvr>
+</p:sld>
+</file>
+
+<file path=ppt/slides/slide11.xml><?xml version="1.0" encoding="utf-8"?>
 <p:sld xmlns:a="http://schemas.openxmlformats.org/drawingml/2006/main" xmlns:r="http://schemas.openxmlformats.org/officeDocument/2006/relationships" xmlns:p="http://schemas.openxmlformats.org/presentationml/2006/main">
   <p:cSld>
     <p:spTree>
@@ -6629,7 +6967,7 @@
 </p:sld>
 </file>
 
-<file path=ppt/slides/slide11.xml><?xml version="1.0" encoding="utf-8"?>
+<file path=ppt/slides/slide12.xml><?xml version="1.0" encoding="utf-8"?>
 <p:sld xmlns:a="http://schemas.openxmlformats.org/drawingml/2006/main" xmlns:r="http://schemas.openxmlformats.org/officeDocument/2006/relationships" xmlns:p="http://schemas.openxmlformats.org/presentationml/2006/main">
   <p:cSld>
     <p:spTree>
@@ -7363,6 +7701,441 @@
                 <a:t>6</a:t>
               </a:r>
               <a:endParaRPr sz="1600">
+                <a:solidFill>
+                  <a:schemeClr val="lt1"/>
+                </a:solidFill>
+                <a:latin typeface="Fira Sans Extra Condensed SemiBold"/>
+                <a:ea typeface="Fira Sans Extra Condensed SemiBold"/>
+                <a:cs typeface="Fira Sans Extra Condensed SemiBold"/>
+                <a:sym typeface="Fira Sans Extra Condensed SemiBold"/>
+              </a:endParaRPr>
+            </a:p>
+          </p:txBody>
+        </p:sp>
+      </p:grpSp>
+    </p:spTree>
+    <p:extLst>
+      <p:ext uri="{BB962C8B-B14F-4D97-AF65-F5344CB8AC3E}">
+        <p14:creationId xmlns:p14="http://schemas.microsoft.com/office/powerpoint/2010/main" val="1144466553"/>
+      </p:ext>
+    </p:extLst>
+  </p:cSld>
+  <p:clrMapOvr>
+    <a:masterClrMapping/>
+  </p:clrMapOvr>
+</p:sld>
+</file>
+
+<file path=ppt/slides/slide13.xml><?xml version="1.0" encoding="utf-8"?>
+<p:sld xmlns:a="http://schemas.openxmlformats.org/drawingml/2006/main" xmlns:r="http://schemas.openxmlformats.org/officeDocument/2006/relationships" xmlns:p="http://schemas.openxmlformats.org/presentationml/2006/main">
+  <p:cSld>
+    <p:spTree>
+      <p:nvGrpSpPr>
+        <p:cNvPr id="1" name="Shape 1572"/>
+        <p:cNvGrpSpPr/>
+        <p:nvPr/>
+      </p:nvGrpSpPr>
+      <p:grpSpPr>
+        <a:xfrm>
+          <a:off x="0" y="0"/>
+          <a:ext cx="0" cy="0"/>
+          <a:chOff x="0" y="0"/>
+          <a:chExt cx="0" cy="0"/>
+        </a:xfrm>
+      </p:grpSpPr>
+      <p:sp>
+        <p:nvSpPr>
+          <p:cNvPr id="1573" name="Google Shape;1573;p38"/>
+          <p:cNvSpPr txBox="1">
+            <a:spLocks noGrp="1"/>
+          </p:cNvSpPr>
+          <p:nvPr>
+            <p:ph type="title"/>
+          </p:nvPr>
+        </p:nvSpPr>
+        <p:spPr>
+          <a:xfrm>
+            <a:off x="453150" y="193643"/>
+            <a:ext cx="8237700" cy="218400"/>
+          </a:xfrm>
+          <a:prstGeom prst="rect">
+            <a:avLst/>
+          </a:prstGeom>
+        </p:spPr>
+        <p:txBody>
+          <a:bodyPr spcFirstLastPara="1" wrap="square" lIns="91425" tIns="91425" rIns="91425" bIns="91425" anchor="ctr" anchorCtr="0">
+            <a:noAutofit/>
+          </a:bodyPr>
+          <a:lstStyle/>
+          <a:p>
+            <a:pPr marL="0" lvl="0" indent="0" algn="ctr" rtl="0">
+              <a:spcBef>
+                <a:spcPts val="0"/>
+              </a:spcBef>
+              <a:spcAft>
+                <a:spcPts val="0"/>
+              </a:spcAft>
+              <a:buNone/>
+            </a:pPr>
+            <a:r>
+              <a:rPr lang="en-US" dirty="0"/>
+              <a:t>SARAN</a:t>
+            </a:r>
+            <a:endParaRPr dirty="0"/>
+          </a:p>
+        </p:txBody>
+      </p:sp>
+      <p:grpSp>
+        <p:nvGrpSpPr>
+          <p:cNvPr id="1590" name="Google Shape;1590;p38"/>
+          <p:cNvGrpSpPr/>
+          <p:nvPr/>
+        </p:nvGrpSpPr>
+        <p:grpSpPr>
+          <a:xfrm>
+            <a:off x="216978" y="662888"/>
+            <a:ext cx="8693691" cy="1248776"/>
+            <a:chOff x="1137100" y="859900"/>
+            <a:chExt cx="7632789" cy="1248776"/>
+          </a:xfrm>
+        </p:grpSpPr>
+        <p:grpSp>
+          <p:nvGrpSpPr>
+            <p:cNvPr id="1591" name="Google Shape;1591;p38"/>
+            <p:cNvGrpSpPr/>
+            <p:nvPr/>
+          </p:nvGrpSpPr>
+          <p:grpSpPr>
+            <a:xfrm>
+              <a:off x="1137100" y="1155775"/>
+              <a:ext cx="7632789" cy="952901"/>
+              <a:chOff x="982550" y="1098638"/>
+              <a:chExt cx="7754534" cy="968100"/>
+            </a:xfrm>
+          </p:grpSpPr>
+          <p:sp>
+            <p:nvSpPr>
+              <p:cNvPr id="1575" name="Google Shape;1575;p38"/>
+              <p:cNvSpPr/>
+              <p:nvPr/>
+            </p:nvSpPr>
+            <p:spPr>
+              <a:xfrm>
+                <a:off x="982550" y="1098638"/>
+                <a:ext cx="7625883" cy="968100"/>
+              </a:xfrm>
+              <a:prstGeom prst="roundRect">
+                <a:avLst>
+                  <a:gd name="adj" fmla="val 16667"/>
+                </a:avLst>
+              </a:prstGeom>
+              <a:solidFill>
+                <a:schemeClr val="dk2"/>
+              </a:solidFill>
+              <a:ln>
+                <a:noFill/>
+              </a:ln>
+            </p:spPr>
+            <p:txBody>
+              <a:bodyPr spcFirstLastPara="1" wrap="square" lIns="91425" tIns="91425" rIns="91425" bIns="91425" anchor="ctr" anchorCtr="0">
+                <a:noAutofit/>
+              </a:bodyPr>
+              <a:lstStyle/>
+              <a:p>
+                <a:pPr marL="0" lvl="0" indent="0" algn="l" rtl="0">
+                  <a:spcBef>
+                    <a:spcPts val="0"/>
+                  </a:spcBef>
+                  <a:spcAft>
+                    <a:spcPts val="0"/>
+                  </a:spcAft>
+                  <a:buNone/>
+                </a:pPr>
+                <a:endParaRPr/>
+              </a:p>
+            </p:txBody>
+          </p:sp>
+          <p:sp>
+            <p:nvSpPr>
+              <p:cNvPr id="1592" name="Google Shape;1592;p38"/>
+              <p:cNvSpPr txBox="1"/>
+              <p:nvPr/>
+            </p:nvSpPr>
+            <p:spPr>
+              <a:xfrm>
+                <a:off x="1214394" y="1422804"/>
+                <a:ext cx="7522690" cy="330884"/>
+              </a:xfrm>
+              <a:prstGeom prst="rect">
+                <a:avLst/>
+              </a:prstGeom>
+              <a:noFill/>
+              <a:ln>
+                <a:noFill/>
+              </a:ln>
+            </p:spPr>
+            <p:txBody>
+              <a:bodyPr spcFirstLastPara="1" wrap="square" lIns="91425" tIns="91425" rIns="91425" bIns="91425" anchor="ctr" anchorCtr="0">
+                <a:noAutofit/>
+              </a:bodyPr>
+              <a:lstStyle/>
+              <a:p>
+                <a:pPr algn="just" rtl="0">
+                  <a:spcAft>
+                    <a:spcPts val="0"/>
+                  </a:spcAft>
+                </a:pPr>
+                <a:r>
+                  <a:rPr lang="id-ID" sz="1800" b="0" i="0" dirty="0">
+                    <a:effectLst/>
+                    <a:latin typeface="Times New Roman, serif"/>
+                  </a:rPr>
+                  <a:t>Untuk kedepannya diperlukan notifikasi kepada pengguna bahwa ada pengajuan atau notifikasi pengajuan sudah di setujui atau adanya revisi.</a:t>
+                </a:r>
+                <a:endParaRPr lang="id-ID" dirty="0">
+                  <a:effectLst/>
+                </a:endParaRPr>
+              </a:p>
+            </p:txBody>
+          </p:sp>
+        </p:grpSp>
+        <p:sp>
+          <p:nvSpPr>
+            <p:cNvPr id="1594" name="Google Shape;1594;p38"/>
+            <p:cNvSpPr/>
+            <p:nvPr/>
+          </p:nvSpPr>
+          <p:spPr>
+            <a:xfrm>
+              <a:off x="1137100" y="859900"/>
+              <a:ext cx="295800" cy="550800"/>
+            </a:xfrm>
+            <a:prstGeom prst="roundRect">
+              <a:avLst>
+                <a:gd name="adj" fmla="val 16667"/>
+              </a:avLst>
+            </a:prstGeom>
+            <a:solidFill>
+              <a:schemeClr val="dk2"/>
+            </a:solidFill>
+            <a:ln>
+              <a:noFill/>
+            </a:ln>
+          </p:spPr>
+          <p:txBody>
+            <a:bodyPr spcFirstLastPara="1" wrap="square" lIns="91425" tIns="91425" rIns="91425" bIns="91425" anchor="ctr" anchorCtr="0">
+              <a:noAutofit/>
+            </a:bodyPr>
+            <a:lstStyle/>
+            <a:p>
+              <a:pPr marL="0" lvl="0" indent="0" algn="ctr" rtl="0">
+                <a:spcBef>
+                  <a:spcPts val="0"/>
+                </a:spcBef>
+                <a:spcAft>
+                  <a:spcPts val="0"/>
+                </a:spcAft>
+                <a:buNone/>
+              </a:pPr>
+              <a:r>
+                <a:rPr lang="en" sz="1600">
+                  <a:solidFill>
+                    <a:schemeClr val="lt1"/>
+                  </a:solidFill>
+                  <a:latin typeface="Fira Sans Extra Condensed SemiBold"/>
+                  <a:ea typeface="Fira Sans Extra Condensed SemiBold"/>
+                  <a:cs typeface="Fira Sans Extra Condensed SemiBold"/>
+                  <a:sym typeface="Fira Sans Extra Condensed SemiBold"/>
+                </a:rPr>
+                <a:t>1</a:t>
+              </a:r>
+              <a:endParaRPr sz="1600">
+                <a:solidFill>
+                  <a:schemeClr val="lt1"/>
+                </a:solidFill>
+                <a:latin typeface="Fira Sans Extra Condensed SemiBold"/>
+                <a:ea typeface="Fira Sans Extra Condensed SemiBold"/>
+                <a:cs typeface="Fira Sans Extra Condensed SemiBold"/>
+                <a:sym typeface="Fira Sans Extra Condensed SemiBold"/>
+              </a:endParaRPr>
+            </a:p>
+          </p:txBody>
+        </p:sp>
+      </p:grpSp>
+      <p:grpSp>
+        <p:nvGrpSpPr>
+          <p:cNvPr id="1600" name="Google Shape;1600;p38"/>
+          <p:cNvGrpSpPr/>
+          <p:nvPr/>
+        </p:nvGrpSpPr>
+        <p:grpSpPr>
+          <a:xfrm>
+            <a:off x="225039" y="1975816"/>
+            <a:ext cx="8541398" cy="1248794"/>
+            <a:chOff x="4971383" y="2172846"/>
+            <a:chExt cx="3273642" cy="1248794"/>
+          </a:xfrm>
+        </p:grpSpPr>
+        <p:grpSp>
+          <p:nvGrpSpPr>
+            <p:cNvPr id="1601" name="Google Shape;1601;p38"/>
+            <p:cNvGrpSpPr/>
+            <p:nvPr/>
+          </p:nvGrpSpPr>
+          <p:grpSpPr>
+            <a:xfrm>
+              <a:off x="4971440" y="2468739"/>
+              <a:ext cx="3273585" cy="952901"/>
+              <a:chOff x="4878050" y="2432544"/>
+              <a:chExt cx="3325800" cy="968100"/>
+            </a:xfrm>
+          </p:grpSpPr>
+          <p:sp>
+            <p:nvSpPr>
+              <p:cNvPr id="1579" name="Google Shape;1579;p38"/>
+              <p:cNvSpPr/>
+              <p:nvPr/>
+            </p:nvSpPr>
+            <p:spPr>
+              <a:xfrm>
+                <a:off x="4878050" y="2432544"/>
+                <a:ext cx="3325800" cy="968100"/>
+              </a:xfrm>
+              <a:prstGeom prst="roundRect">
+                <a:avLst>
+                  <a:gd name="adj" fmla="val 16667"/>
+                </a:avLst>
+              </a:prstGeom>
+              <a:solidFill>
+                <a:schemeClr val="tx2">
+                  <a:lumMod val="60000"/>
+                  <a:lumOff val="40000"/>
+                </a:schemeClr>
+              </a:solidFill>
+              <a:ln>
+                <a:noFill/>
+              </a:ln>
+            </p:spPr>
+            <p:txBody>
+              <a:bodyPr spcFirstLastPara="1" wrap="square" lIns="91425" tIns="91425" rIns="91425" bIns="91425" anchor="ctr" anchorCtr="0">
+                <a:noAutofit/>
+              </a:bodyPr>
+              <a:lstStyle/>
+              <a:p>
+                <a:pPr marL="0" lvl="0" indent="0" algn="l" rtl="0">
+                  <a:spcBef>
+                    <a:spcPts val="0"/>
+                  </a:spcBef>
+                  <a:spcAft>
+                    <a:spcPts val="0"/>
+                  </a:spcAft>
+                  <a:buNone/>
+                </a:pPr>
+                <a:endParaRPr/>
+              </a:p>
+            </p:txBody>
+          </p:sp>
+          <p:sp>
+            <p:nvSpPr>
+              <p:cNvPr id="1602" name="Google Shape;1602;p38"/>
+              <p:cNvSpPr txBox="1"/>
+              <p:nvPr/>
+            </p:nvSpPr>
+            <p:spPr>
+              <a:xfrm>
+                <a:off x="4990032" y="2798010"/>
+                <a:ext cx="3207604" cy="345000"/>
+              </a:xfrm>
+              <a:prstGeom prst="rect">
+                <a:avLst/>
+              </a:prstGeom>
+              <a:noFill/>
+              <a:ln>
+                <a:noFill/>
+              </a:ln>
+            </p:spPr>
+            <p:txBody>
+              <a:bodyPr spcFirstLastPara="1" wrap="square" lIns="91425" tIns="91425" rIns="91425" bIns="91425" anchor="ctr" anchorCtr="0">
+                <a:noAutofit/>
+              </a:bodyPr>
+              <a:lstStyle/>
+              <a:p>
+                <a:r>
+                  <a:rPr lang="id-ID" sz="1800" b="0" i="0" dirty="0">
+                    <a:effectLst/>
+                    <a:latin typeface="times new roman" panose="02020603050405020304" pitchFamily="18" charset="0"/>
+                  </a:rPr>
+                  <a:t>Untuk kedepannya diperlukan perawatan yang rutin terhadap sistem agar sistem dapat berjalan dengan baik.</a:t>
+                </a:r>
+                <a:endParaRPr lang="id-ID" sz="1600" b="0" i="0" dirty="0">
+                  <a:effectLst/>
+                </a:endParaRPr>
+              </a:p>
+              <a:p>
+                <a:endParaRPr lang="id-ID" sz="1200" dirty="0"/>
+              </a:p>
+            </p:txBody>
+          </p:sp>
+        </p:grpSp>
+        <p:sp>
+          <p:nvSpPr>
+            <p:cNvPr id="1604" name="Google Shape;1604;p38"/>
+            <p:cNvSpPr/>
+            <p:nvPr/>
+          </p:nvSpPr>
+          <p:spPr>
+            <a:xfrm>
+              <a:off x="4971383" y="2172846"/>
+              <a:ext cx="126039" cy="548700"/>
+            </a:xfrm>
+            <a:prstGeom prst="roundRect">
+              <a:avLst>
+                <a:gd name="adj" fmla="val 16667"/>
+              </a:avLst>
+            </a:prstGeom>
+            <a:solidFill>
+              <a:schemeClr val="tx2">
+                <a:lumMod val="60000"/>
+                <a:lumOff val="40000"/>
+              </a:schemeClr>
+            </a:solidFill>
+            <a:ln>
+              <a:solidFill>
+                <a:schemeClr val="tx2">
+                  <a:lumMod val="60000"/>
+                  <a:lumOff val="40000"/>
+                </a:schemeClr>
+              </a:solidFill>
+            </a:ln>
+          </p:spPr>
+          <p:txBody>
+            <a:bodyPr spcFirstLastPara="1" wrap="square" lIns="91425" tIns="91425" rIns="91425" bIns="91425" anchor="ctr" anchorCtr="0">
+              <a:noAutofit/>
+            </a:bodyPr>
+            <a:lstStyle/>
+            <a:p>
+              <a:pPr marL="0" lvl="0" indent="0" algn="ctr" rtl="0">
+                <a:spcBef>
+                  <a:spcPts val="0"/>
+                </a:spcBef>
+                <a:spcAft>
+                  <a:spcPts val="0"/>
+                </a:spcAft>
+                <a:buNone/>
+              </a:pPr>
+              <a:r>
+                <a:rPr lang="en" sz="1600" dirty="0">
+                  <a:solidFill>
+                    <a:schemeClr val="lt1"/>
+                  </a:solidFill>
+                  <a:latin typeface="Fira Sans Extra Condensed SemiBold"/>
+                  <a:ea typeface="Fira Sans Extra Condensed SemiBold"/>
+                  <a:cs typeface="Fira Sans Extra Condensed SemiBold"/>
+                  <a:sym typeface="Fira Sans Extra Condensed SemiBold"/>
+                </a:rPr>
+                <a:t>3</a:t>
+              </a:r>
+              <a:endParaRPr sz="1600" dirty="0">
                 <a:solidFill>
                   <a:schemeClr val="lt1"/>
                 </a:solidFill>
@@ -9197,7 +9970,55 @@
                     <a:schemeClr val="bg1"/>
                   </a:solidFill>
                 </a:rPr>
-                <a:t>Proses pengajuan rencana anggaran kegiatan (RAK), Proposal, laporan pertanggungjawaban memakan waktu yang tidak efektif karena sulitnya mencari pihak yang bersangkutan dengan .</a:t>
+                <a:t>Proses pengajuan </a:t>
+              </a:r>
+              <a:r>
+                <a:rPr lang="en-US" dirty="0" err="1">
+                  <a:solidFill>
+                    <a:schemeClr val="bg1"/>
+                  </a:solidFill>
+                </a:rPr>
+                <a:t>kegiatan</a:t>
+              </a:r>
+              <a:r>
+                <a:rPr lang="en-US" dirty="0">
+                  <a:solidFill>
+                    <a:schemeClr val="bg1"/>
+                  </a:solidFill>
+                </a:rPr>
+                <a:t> yang </a:t>
+              </a:r>
+              <a:r>
+                <a:rPr lang="en-US" dirty="0" err="1">
+                  <a:solidFill>
+                    <a:schemeClr val="bg1"/>
+                  </a:solidFill>
+                </a:rPr>
+                <a:t>kurang</a:t>
+              </a:r>
+              <a:r>
+                <a:rPr lang="en-US" dirty="0">
+                  <a:solidFill>
+                    <a:schemeClr val="bg1"/>
+                  </a:solidFill>
+                </a:rPr>
+                <a:t> </a:t>
+              </a:r>
+              <a:r>
+                <a:rPr lang="en-US" dirty="0" err="1">
+                  <a:solidFill>
+                    <a:schemeClr val="bg1"/>
+                  </a:solidFill>
+                </a:rPr>
+                <a:t>efektif</a:t>
+              </a:r>
+              <a:r>
+                <a:rPr lang="id-ID" dirty="0">
+                  <a:solidFill>
+                    <a:schemeClr val="bg1"/>
+                  </a:solidFill>
+                </a:rPr>
+                <a:t>.</a:t>
               </a:r>
               <a:endParaRPr lang="id-ID" sz="1200" dirty="0">
                 <a:solidFill>
@@ -9441,7 +10262,7 @@
                     <a:schemeClr val="bg1"/>
                   </a:solidFill>
                 </a:rPr>
-                <a:t>Proses pengajuan rencana anggaran kegiatan (RAK), Proposal, laporan pertanggungjawaban membutuhkan biaya yang relatif banyak.</a:t>
+                <a:t>Proses pengajuan membutuhkan biaya yang relatif banyak.</a:t>
               </a:r>
               <a:endParaRPr lang="id-ID" sz="1200" dirty="0">
                 <a:solidFill>
@@ -9681,7 +10502,7 @@
             <a:p>
               <a:r>
                 <a:rPr lang="id-ID" dirty="0"/>
-                <a:t>Sering terjadinya pengajuan kegiatan yang tidak sesuai dengan jadwal rencana anggaran kegiatan (RAK) sehingga tidak disetujuinya kegiatan tersebut.</a:t>
+                <a:t>Sering terjadinya pengajuan kegiatan yang tidak sesuai dengan jadwal rencana anggaran kegiatan (RAK)</a:t>
               </a:r>
               <a:endParaRPr lang="id-ID" sz="1200" dirty="0"/>
             </a:p>
@@ -9916,12 +10737,68 @@
             <a:lstStyle/>
             <a:p>
               <a:r>
-                <a:rPr lang="id-ID" dirty="0">
+                <a:rPr lang="en-US" sz="1200" dirty="0">
                   <a:solidFill>
                     <a:schemeClr val="bg1"/>
                   </a:solidFill>
                 </a:rPr>
-                <a:t>Tidak adanya evaluasi kepada organisasi mahasiswa oleh pihak kampus (Kabag Kemahasiswaan, biro akademik, ka.prodi)</a:t>
+                <a:t>Kurang </a:t>
+              </a:r>
+              <a:r>
+                <a:rPr lang="en-US" sz="1200" dirty="0" err="1">
+                  <a:solidFill>
+                    <a:schemeClr val="bg1"/>
+                  </a:solidFill>
+                </a:rPr>
+                <a:t>mengetahui</a:t>
+              </a:r>
+              <a:r>
+                <a:rPr lang="en-US" sz="1200" dirty="0">
+                  <a:solidFill>
+                    <a:schemeClr val="bg1"/>
+                  </a:solidFill>
+                </a:rPr>
+                <a:t> </a:t>
+              </a:r>
+              <a:r>
+                <a:rPr lang="en-US" sz="1200" dirty="0" err="1">
+                  <a:solidFill>
+                    <a:schemeClr val="bg1"/>
+                  </a:solidFill>
+                </a:rPr>
+                <a:t>perkembangan</a:t>
+              </a:r>
+              <a:r>
+                <a:rPr lang="en-US" sz="1200" dirty="0">
+                  <a:solidFill>
+                    <a:schemeClr val="bg1"/>
+                  </a:solidFill>
+                </a:rPr>
+                <a:t> </a:t>
+              </a:r>
+              <a:r>
+                <a:rPr lang="en-US" sz="1200" dirty="0" err="1">
+                  <a:solidFill>
+                    <a:schemeClr val="bg1"/>
+                  </a:solidFill>
+                </a:rPr>
+                <a:t>organisasi</a:t>
+              </a:r>
+              <a:r>
+                <a:rPr lang="en-US" sz="1200" dirty="0">
+                  <a:solidFill>
+                    <a:schemeClr val="bg1"/>
+                  </a:solidFill>
+                </a:rPr>
+                <a:t> </a:t>
+              </a:r>
+              <a:r>
+                <a:rPr lang="en-US" sz="1200" dirty="0" err="1">
+                  <a:solidFill>
+                    <a:schemeClr val="bg1"/>
+                  </a:solidFill>
+                </a:rPr>
+                <a:t>mahasiswa</a:t>
               </a:r>
               <a:endParaRPr lang="id-ID" sz="1200" dirty="0">
                 <a:solidFill>
@@ -10234,12 +11111,132 @@
             <a:lstStyle/>
             <a:p>
               <a:r>
-                <a:rPr lang="id-ID" dirty="0">
+                <a:rPr lang="en-US" dirty="0" err="1">
                   <a:solidFill>
                     <a:schemeClr val="bg1"/>
                   </a:solidFill>
                 </a:rPr>
-                <a:t>Proses pengajuan rencana anggaran kegiatan (RAK), Proposal, laporan pertanggungjawaban memakan waktu yang tidak efektif karena sulitnya mencari pihak yang bersangkutan dengan .</a:t>
+                <a:t>Bagaimana</a:t>
+              </a:r>
+              <a:r>
+                <a:rPr lang="en-US" dirty="0">
+                  <a:solidFill>
+                    <a:schemeClr val="bg1"/>
+                  </a:solidFill>
+                </a:rPr>
+                <a:t> </a:t>
+              </a:r>
+              <a:r>
+                <a:rPr lang="en-US" dirty="0" err="1">
+                  <a:solidFill>
+                    <a:schemeClr val="bg1"/>
+                  </a:solidFill>
+                </a:rPr>
+                <a:t>perancangan</a:t>
+              </a:r>
+              <a:r>
+                <a:rPr lang="en-US" dirty="0">
+                  <a:solidFill>
+                    <a:schemeClr val="bg1"/>
+                  </a:solidFill>
+                </a:rPr>
+                <a:t> system </a:t>
+              </a:r>
+              <a:r>
+                <a:rPr lang="en-US" dirty="0" err="1">
+                  <a:solidFill>
+                    <a:schemeClr val="bg1"/>
+                  </a:solidFill>
+                </a:rPr>
+                <a:t>informasi</a:t>
+              </a:r>
+              <a:r>
+                <a:rPr lang="en-US" dirty="0">
+                  <a:solidFill>
+                    <a:schemeClr val="bg1"/>
+                  </a:solidFill>
+                </a:rPr>
+                <a:t> monitoring </a:t>
+              </a:r>
+              <a:r>
+                <a:rPr lang="en-US" dirty="0" err="1">
+                  <a:solidFill>
+                    <a:schemeClr val="bg1"/>
+                  </a:solidFill>
+                </a:rPr>
+                <a:t>organisasi</a:t>
+              </a:r>
+              <a:r>
+                <a:rPr lang="en-US" dirty="0">
+                  <a:solidFill>
+                    <a:schemeClr val="bg1"/>
+                  </a:solidFill>
+                </a:rPr>
+                <a:t> </a:t>
+              </a:r>
+              <a:r>
+                <a:rPr lang="en-US" dirty="0" err="1">
+                  <a:solidFill>
+                    <a:schemeClr val="bg1"/>
+                  </a:solidFill>
+                </a:rPr>
+                <a:t>mahsiswa</a:t>
+              </a:r>
+              <a:r>
+                <a:rPr lang="en-US" dirty="0">
+                  <a:solidFill>
+                    <a:schemeClr val="bg1"/>
+                  </a:solidFill>
+                </a:rPr>
+                <a:t> </a:t>
+              </a:r>
+              <a:r>
+                <a:rPr lang="en-US" dirty="0" err="1">
+                  <a:solidFill>
+                    <a:schemeClr val="bg1"/>
+                  </a:solidFill>
+                </a:rPr>
+                <a:t>berbasis</a:t>
+              </a:r>
+              <a:r>
+                <a:rPr lang="en-US" dirty="0">
+                  <a:solidFill>
+                    <a:schemeClr val="bg1"/>
+                  </a:solidFill>
+                </a:rPr>
+                <a:t> web </a:t>
+              </a:r>
+              <a:r>
+                <a:rPr lang="en-US" dirty="0" err="1">
+                  <a:solidFill>
+                    <a:schemeClr val="bg1"/>
+                  </a:solidFill>
+                </a:rPr>
+                <a:t>menggunakan</a:t>
+              </a:r>
+              <a:r>
+                <a:rPr lang="en-US" dirty="0">
+                  <a:solidFill>
+                    <a:schemeClr val="bg1"/>
+                  </a:solidFill>
+                </a:rPr>
+                <a:t> framework </a:t>
+              </a:r>
+              <a:r>
+                <a:rPr lang="en-US" dirty="0" err="1">
+                  <a:solidFill>
+                    <a:schemeClr val="bg1"/>
+                  </a:solidFill>
+                </a:rPr>
+                <a:t>codeigneter</a:t>
+              </a:r>
+              <a:r>
+                <a:rPr lang="en-US" dirty="0">
+                  <a:solidFill>
+                    <a:schemeClr val="bg1"/>
+                  </a:solidFill>
+                </a:rPr>
+                <a:t>?</a:t>
               </a:r>
               <a:endParaRPr lang="id-ID" sz="1200" dirty="0">
                 <a:solidFill>
@@ -10478,12 +11475,124 @@
             <a:lstStyle/>
             <a:p>
               <a:r>
-                <a:rPr lang="id-ID" dirty="0">
+                <a:rPr lang="en-US" dirty="0" err="1">
                   <a:solidFill>
                     <a:schemeClr val="bg1"/>
                   </a:solidFill>
                 </a:rPr>
-                <a:t>Proses pengajuan rencana anggaran kegiatan (RAK), Proposal, laporan pertanggungjawaban membutuhkan biaya yang relatif banyak.</a:t>
+                <a:t>Bagamana</a:t>
+              </a:r>
+              <a:r>
+                <a:rPr lang="en-US" dirty="0">
+                  <a:solidFill>
+                    <a:schemeClr val="bg1"/>
+                  </a:solidFill>
+                </a:rPr>
+                <a:t> </a:t>
+              </a:r>
+              <a:r>
+                <a:rPr lang="en-US" dirty="0" err="1">
+                  <a:solidFill>
+                    <a:schemeClr val="bg1"/>
+                  </a:solidFill>
+                </a:rPr>
+                <a:t>pengajuan</a:t>
+              </a:r>
+              <a:r>
+                <a:rPr lang="en-US" dirty="0">
+                  <a:solidFill>
+                    <a:schemeClr val="bg1"/>
+                  </a:solidFill>
+                </a:rPr>
+                <a:t> RAK, proposal dan </a:t>
+              </a:r>
+              <a:r>
+                <a:rPr lang="en-US" dirty="0" err="1">
+                  <a:solidFill>
+                    <a:schemeClr val="bg1"/>
+                  </a:solidFill>
+                </a:rPr>
+                <a:t>lpj</a:t>
+              </a:r>
+              <a:r>
+                <a:rPr lang="en-US" dirty="0">
+                  <a:solidFill>
+                    <a:schemeClr val="bg1"/>
+                  </a:solidFill>
+                </a:rPr>
+                <a:t> </a:t>
+              </a:r>
+              <a:r>
+                <a:rPr lang="en-US" dirty="0" err="1">
+                  <a:solidFill>
+                    <a:schemeClr val="bg1"/>
+                  </a:solidFill>
+                </a:rPr>
+                <a:t>ormawa</a:t>
+              </a:r>
+              <a:r>
+                <a:rPr lang="en-US" dirty="0">
+                  <a:solidFill>
+                    <a:schemeClr val="bg1"/>
+                  </a:solidFill>
+                </a:rPr>
+                <a:t> agar </a:t>
+              </a:r>
+              <a:r>
+                <a:rPr lang="en-US" dirty="0" err="1">
+                  <a:solidFill>
+                    <a:schemeClr val="bg1"/>
+                  </a:solidFill>
+                </a:rPr>
+                <a:t>tidak</a:t>
+              </a:r>
+              <a:r>
+                <a:rPr lang="en-US" dirty="0">
+                  <a:solidFill>
+                    <a:schemeClr val="bg1"/>
+                  </a:solidFill>
+                </a:rPr>
+                <a:t> </a:t>
+              </a:r>
+              <a:r>
+                <a:rPr lang="en-US" dirty="0" err="1">
+                  <a:solidFill>
+                    <a:schemeClr val="bg1"/>
+                  </a:solidFill>
+                </a:rPr>
+                <a:t>mengeluarkan</a:t>
+              </a:r>
+              <a:r>
+                <a:rPr lang="en-US" dirty="0">
+                  <a:solidFill>
+                    <a:schemeClr val="bg1"/>
+                  </a:solidFill>
+                </a:rPr>
+                <a:t> </a:t>
+              </a:r>
+              <a:r>
+                <a:rPr lang="en-US" dirty="0" err="1">
+                  <a:solidFill>
+                    <a:schemeClr val="bg1"/>
+                  </a:solidFill>
+                </a:rPr>
+                <a:t>biaya</a:t>
+              </a:r>
+              <a:r>
+                <a:rPr lang="en-US" dirty="0">
+                  <a:solidFill>
+                    <a:schemeClr val="bg1"/>
+                  </a:solidFill>
+                </a:rPr>
+                <a:t> yang relative </a:t>
+              </a:r>
+              <a:r>
+                <a:rPr lang="en-US" dirty="0" err="1">
+                  <a:solidFill>
+                    <a:schemeClr val="bg1"/>
+                  </a:solidFill>
+                </a:rPr>
+                <a:t>banyak</a:t>
               </a:r>
               <a:endParaRPr lang="id-ID" sz="1200" dirty="0">
                 <a:solidFill>
@@ -10722,10 +11831,101 @@
             <a:lstStyle/>
             <a:p>
               <a:r>
-                <a:rPr lang="id-ID" dirty="0"/>
-                <a:t>Sering terjadinya pengajuan kegiatan yang tidak sesuai dengan jadwal rencana anggaran kegiatan (RAK) sehingga tidak disetujuinya kegiatan tersebut.</a:t>
+                <a:rPr lang="en-US" sz="1200" dirty="0" err="1">
+                  <a:solidFill>
+                    <a:schemeClr val="tx1">
+                      <a:lumMod val="85000"/>
+                      <a:lumOff val="15000"/>
+                    </a:schemeClr>
+                  </a:solidFill>
+                </a:rPr>
+                <a:t>Bagaiamana</a:t>
               </a:r>
-              <a:endParaRPr lang="id-ID" sz="1200" dirty="0"/>
+              <a:r>
+                <a:rPr lang="en-US" sz="1200" dirty="0">
+                  <a:solidFill>
+                    <a:schemeClr val="tx1">
+                      <a:lumMod val="85000"/>
+                      <a:lumOff val="15000"/>
+                    </a:schemeClr>
+                  </a:solidFill>
+                </a:rPr>
+                <a:t> </a:t>
+              </a:r>
+              <a:r>
+                <a:rPr lang="en-US" sz="1200" dirty="0" err="1">
+                  <a:solidFill>
+                    <a:schemeClr val="tx1">
+                      <a:lumMod val="85000"/>
+                      <a:lumOff val="15000"/>
+                    </a:schemeClr>
+                  </a:solidFill>
+                </a:rPr>
+                <a:t>pengajuan</a:t>
+              </a:r>
+              <a:r>
+                <a:rPr lang="en-US" sz="1200" dirty="0">
+                  <a:solidFill>
+                    <a:schemeClr val="tx1">
+                      <a:lumMod val="85000"/>
+                      <a:lumOff val="15000"/>
+                    </a:schemeClr>
+                  </a:solidFill>
+                </a:rPr>
+                <a:t> </a:t>
+              </a:r>
+              <a:r>
+                <a:rPr lang="en-US" sz="1200" dirty="0" err="1">
+                  <a:solidFill>
+                    <a:schemeClr val="tx1">
+                      <a:lumMod val="85000"/>
+                      <a:lumOff val="15000"/>
+                    </a:schemeClr>
+                  </a:solidFill>
+                </a:rPr>
+                <a:t>sesuai</a:t>
+              </a:r>
+              <a:r>
+                <a:rPr lang="en-US" sz="1200" dirty="0">
+                  <a:solidFill>
+                    <a:schemeClr val="tx1">
+                      <a:lumMod val="85000"/>
+                      <a:lumOff val="15000"/>
+                    </a:schemeClr>
+                  </a:solidFill>
+                </a:rPr>
+                <a:t> </a:t>
+              </a:r>
+              <a:r>
+                <a:rPr lang="en-US" sz="1200" dirty="0" err="1">
+                  <a:solidFill>
+                    <a:schemeClr val="tx1">
+                      <a:lumMod val="85000"/>
+                      <a:lumOff val="15000"/>
+                    </a:schemeClr>
+                  </a:solidFill>
+                </a:rPr>
+                <a:t>dengan</a:t>
+              </a:r>
+              <a:r>
+                <a:rPr lang="en-US" sz="1200" dirty="0">
+                  <a:solidFill>
+                    <a:schemeClr val="tx1">
+                      <a:lumMod val="85000"/>
+                      <a:lumOff val="15000"/>
+                    </a:schemeClr>
+                  </a:solidFill>
+                </a:rPr>
+                <a:t> RAK?</a:t>
+              </a:r>
+              <a:endParaRPr lang="id-ID" sz="1200" dirty="0">
+                <a:solidFill>
+                  <a:schemeClr val="tx1">
+                    <a:lumMod val="85000"/>
+                    <a:lumOff val="15000"/>
+                  </a:schemeClr>
+                </a:solidFill>
+              </a:endParaRPr>
             </a:p>
           </p:txBody>
         </p:sp>
@@ -10958,12 +12158,116 @@
             <a:lstStyle/>
             <a:p>
               <a:r>
-                <a:rPr lang="id-ID" dirty="0">
+                <a:rPr lang="en-US" dirty="0" err="1">
                   <a:solidFill>
                     <a:schemeClr val="bg1"/>
                   </a:solidFill>
                 </a:rPr>
-                <a:t>Tidak adanya evaluasi kepada organisasi mahasiswa oleh pihak kampus (Kabag Kemahasiswaan, biro akademik, ka.prodi)</a:t>
+                <a:t>Bagaiaman</a:t>
+              </a:r>
+              <a:r>
+                <a:rPr lang="en-US" dirty="0">
+                  <a:solidFill>
+                    <a:schemeClr val="bg1"/>
+                  </a:solidFill>
+                </a:rPr>
+                <a:t> </a:t>
+              </a:r>
+              <a:r>
+                <a:rPr lang="en-US" dirty="0" err="1">
+                  <a:solidFill>
+                    <a:schemeClr val="bg1"/>
+                  </a:solidFill>
+                </a:rPr>
+                <a:t>pihak</a:t>
+              </a:r>
+              <a:r>
+                <a:rPr lang="en-US" dirty="0">
+                  <a:solidFill>
+                    <a:schemeClr val="bg1"/>
+                  </a:solidFill>
+                </a:rPr>
+                <a:t> </a:t>
+              </a:r>
+              <a:r>
+                <a:rPr lang="en-US" dirty="0" err="1">
+                  <a:solidFill>
+                    <a:schemeClr val="bg1"/>
+                  </a:solidFill>
+                </a:rPr>
+                <a:t>kampus</a:t>
+              </a:r>
+              <a:r>
+                <a:rPr lang="en-US" dirty="0">
+                  <a:solidFill>
+                    <a:schemeClr val="bg1"/>
+                  </a:solidFill>
+                </a:rPr>
+                <a:t> </a:t>
+              </a:r>
+              <a:r>
+                <a:rPr lang="en-US" dirty="0" err="1">
+                  <a:solidFill>
+                    <a:schemeClr val="bg1"/>
+                  </a:solidFill>
+                </a:rPr>
+                <a:t>mengetahui</a:t>
+              </a:r>
+              <a:r>
+                <a:rPr lang="en-US" dirty="0">
+                  <a:solidFill>
+                    <a:schemeClr val="bg1"/>
+                  </a:solidFill>
+                </a:rPr>
+                <a:t> </a:t>
+              </a:r>
+              <a:r>
+                <a:rPr lang="en-US" dirty="0" err="1">
+                  <a:solidFill>
+                    <a:schemeClr val="bg1"/>
+                  </a:solidFill>
+                </a:rPr>
+                <a:t>perkembangan</a:t>
+              </a:r>
+              <a:r>
+                <a:rPr lang="en-US" dirty="0">
+                  <a:solidFill>
+                    <a:schemeClr val="bg1"/>
+                  </a:solidFill>
+                </a:rPr>
+                <a:t> </a:t>
+              </a:r>
+              <a:r>
+                <a:rPr lang="en-US" dirty="0" err="1">
+                  <a:solidFill>
+                    <a:schemeClr val="bg1"/>
+                  </a:solidFill>
+                </a:rPr>
+                <a:t>organisasi</a:t>
+              </a:r>
+              <a:r>
+                <a:rPr lang="en-US" dirty="0">
+                  <a:solidFill>
+                    <a:schemeClr val="bg1"/>
+                  </a:solidFill>
+                </a:rPr>
+                <a:t> </a:t>
+              </a:r>
+              <a:r>
+                <a:rPr lang="en-US" dirty="0" err="1">
+                  <a:solidFill>
+                    <a:schemeClr val="bg1"/>
+                  </a:solidFill>
+                </a:rPr>
+                <a:t>mahasiswa</a:t>
+              </a:r>
+              <a:r>
+                <a:rPr lang="en-US" dirty="0">
+                  <a:solidFill>
+                    <a:schemeClr val="bg1"/>
+                  </a:solidFill>
+                </a:rPr>
+                <a:t>?</a:t>
               </a:r>
               <a:endParaRPr lang="id-ID" sz="1200" dirty="0">
                 <a:solidFill>
@@ -11052,6 +12356,985 @@
   <p:cSld>
     <p:spTree>
       <p:nvGrpSpPr>
+        <p:cNvPr id="1" name="Shape 798"/>
+        <p:cNvGrpSpPr/>
+        <p:nvPr/>
+      </p:nvGrpSpPr>
+      <p:grpSpPr>
+        <a:xfrm>
+          <a:off x="0" y="0"/>
+          <a:ext cx="0" cy="0"/>
+          <a:chOff x="0" y="0"/>
+          <a:chExt cx="0" cy="0"/>
+        </a:xfrm>
+      </p:grpSpPr>
+      <p:sp>
+        <p:nvSpPr>
+          <p:cNvPr id="799" name="Google Shape;799;p27"/>
+          <p:cNvSpPr txBox="1">
+            <a:spLocks noGrp="1"/>
+          </p:cNvSpPr>
+          <p:nvPr>
+            <p:ph type="title"/>
+          </p:nvPr>
+        </p:nvSpPr>
+        <p:spPr>
+          <a:xfrm>
+            <a:off x="448975" y="410350"/>
+            <a:ext cx="8237700" cy="218400"/>
+          </a:xfrm>
+          <a:prstGeom prst="rect">
+            <a:avLst/>
+          </a:prstGeom>
+          <a:effectLst>
+            <a:outerShdw blurRad="57150" dist="19050" dir="5400000" algn="bl" rotWithShape="0">
+              <a:srgbClr val="000000">
+                <a:alpha val="50000"/>
+              </a:srgbClr>
+            </a:outerShdw>
+          </a:effectLst>
+        </p:spPr>
+        <p:txBody>
+          <a:bodyPr spcFirstLastPara="1" wrap="square" lIns="91425" tIns="91425" rIns="91425" bIns="91425" anchor="ctr" anchorCtr="0">
+            <a:noAutofit/>
+          </a:bodyPr>
+          <a:lstStyle/>
+          <a:p>
+            <a:pPr marL="0" lvl="0" indent="0" algn="ctr" rtl="0">
+              <a:spcBef>
+                <a:spcPts val="0"/>
+              </a:spcBef>
+              <a:spcAft>
+                <a:spcPts val="0"/>
+              </a:spcAft>
+              <a:buNone/>
+            </a:pPr>
+            <a:r>
+              <a:rPr lang="en-US" dirty="0" err="1"/>
+              <a:t>Tujuan</a:t>
+            </a:r>
+            <a:r>
+              <a:rPr lang="en-US" dirty="0"/>
+              <a:t> </a:t>
+            </a:r>
+            <a:r>
+              <a:rPr lang="en-US" dirty="0" err="1"/>
+              <a:t>Penelitian</a:t>
+            </a:r>
+            <a:endParaRPr dirty="0"/>
+          </a:p>
+        </p:txBody>
+      </p:sp>
+      <p:grpSp>
+        <p:nvGrpSpPr>
+          <p:cNvPr id="800" name="Google Shape;800;p27"/>
+          <p:cNvGrpSpPr/>
+          <p:nvPr/>
+        </p:nvGrpSpPr>
+        <p:grpSpPr>
+          <a:xfrm>
+            <a:off x="885300" y="994100"/>
+            <a:ext cx="7373400" cy="826850"/>
+            <a:chOff x="1237125" y="994100"/>
+            <a:chExt cx="7373400" cy="826850"/>
+          </a:xfrm>
+        </p:grpSpPr>
+        <p:sp>
+          <p:nvSpPr>
+            <p:cNvPr id="801" name="Google Shape;801;p27"/>
+            <p:cNvSpPr/>
+            <p:nvPr/>
+          </p:nvSpPr>
+          <p:spPr>
+            <a:xfrm>
+              <a:off x="1237125" y="1161850"/>
+              <a:ext cx="7373400" cy="659100"/>
+            </a:xfrm>
+            <a:prstGeom prst="roundRect">
+              <a:avLst>
+                <a:gd name="adj" fmla="val 16667"/>
+              </a:avLst>
+            </a:prstGeom>
+            <a:solidFill>
+              <a:schemeClr val="dk2"/>
+            </a:solidFill>
+            <a:ln w="9525" cap="flat" cmpd="sng">
+              <a:solidFill>
+                <a:schemeClr val="lt2"/>
+              </a:solidFill>
+              <a:prstDash val="solid"/>
+              <a:round/>
+              <a:headEnd type="none" w="sm" len="sm"/>
+              <a:tailEnd type="none" w="sm" len="sm"/>
+            </a:ln>
+          </p:spPr>
+          <p:txBody>
+            <a:bodyPr spcFirstLastPara="1" wrap="square" lIns="91425" tIns="91425" rIns="91425" bIns="91425" anchor="ctr" anchorCtr="0">
+              <a:noAutofit/>
+            </a:bodyPr>
+            <a:lstStyle/>
+            <a:p>
+              <a:pPr marL="0" lvl="0" indent="0" algn="l" rtl="0">
+                <a:spcBef>
+                  <a:spcPts val="0"/>
+                </a:spcBef>
+                <a:spcAft>
+                  <a:spcPts val="0"/>
+                </a:spcAft>
+                <a:buNone/>
+              </a:pPr>
+              <a:endParaRPr/>
+            </a:p>
+          </p:txBody>
+        </p:sp>
+        <p:sp>
+          <p:nvSpPr>
+            <p:cNvPr id="802" name="Google Shape;802;p27"/>
+            <p:cNvSpPr/>
+            <p:nvPr/>
+          </p:nvSpPr>
+          <p:spPr>
+            <a:xfrm>
+              <a:off x="1237180" y="994100"/>
+              <a:ext cx="1053300" cy="739375"/>
+            </a:xfrm>
+            <a:custGeom>
+              <a:avLst/>
+              <a:gdLst/>
+              <a:ahLst/>
+              <a:cxnLst/>
+              <a:rect l="l" t="t" r="r" b="b"/>
+              <a:pathLst>
+                <a:path w="42132" h="29575" extrusionOk="0">
+                  <a:moveTo>
+                    <a:pt x="3209" y="1"/>
+                  </a:moveTo>
+                  <a:cubicBezTo>
+                    <a:pt x="1429" y="1"/>
+                    <a:pt x="0" y="1429"/>
+                    <a:pt x="0" y="3209"/>
+                  </a:cubicBezTo>
+                  <a:lnTo>
+                    <a:pt x="0" y="29575"/>
+                  </a:lnTo>
+                  <a:cubicBezTo>
+                    <a:pt x="0" y="27795"/>
+                    <a:pt x="1429" y="26342"/>
+                    <a:pt x="3209" y="26342"/>
+                  </a:cubicBezTo>
+                  <a:lnTo>
+                    <a:pt x="34537" y="26342"/>
+                  </a:lnTo>
+                  <a:lnTo>
+                    <a:pt x="42131" y="13184"/>
+                  </a:lnTo>
+                  <a:lnTo>
+                    <a:pt x="34537" y="1"/>
+                  </a:lnTo>
+                  <a:close/>
+                </a:path>
+              </a:pathLst>
+            </a:custGeom>
+            <a:solidFill>
+              <a:schemeClr val="lt1"/>
+            </a:solidFill>
+            <a:ln w="9525" cap="flat" cmpd="sng">
+              <a:solidFill>
+                <a:schemeClr val="lt2"/>
+              </a:solidFill>
+              <a:prstDash val="solid"/>
+              <a:round/>
+              <a:headEnd type="none" w="sm" len="sm"/>
+              <a:tailEnd type="none" w="sm" len="sm"/>
+            </a:ln>
+          </p:spPr>
+          <p:txBody>
+            <a:bodyPr spcFirstLastPara="1" wrap="square" lIns="91425" tIns="91425" rIns="91425" bIns="91425" anchor="ctr" anchorCtr="0">
+              <a:noAutofit/>
+            </a:bodyPr>
+            <a:lstStyle/>
+            <a:p>
+              <a:pPr marL="0" lvl="0" indent="0" algn="l" rtl="0">
+                <a:spcBef>
+                  <a:spcPts val="0"/>
+                </a:spcBef>
+                <a:spcAft>
+                  <a:spcPts val="0"/>
+                </a:spcAft>
+                <a:buNone/>
+              </a:pPr>
+              <a:endParaRPr/>
+            </a:p>
+          </p:txBody>
+        </p:sp>
+        <p:sp>
+          <p:nvSpPr>
+            <p:cNvPr id="803" name="Google Shape;803;p27"/>
+            <p:cNvSpPr txBox="1"/>
+            <p:nvPr/>
+          </p:nvSpPr>
+          <p:spPr>
+            <a:xfrm>
+              <a:off x="2382506" y="1161850"/>
+              <a:ext cx="6228019" cy="596344"/>
+            </a:xfrm>
+            <a:prstGeom prst="rect">
+              <a:avLst/>
+            </a:prstGeom>
+            <a:noFill/>
+            <a:ln>
+              <a:noFill/>
+            </a:ln>
+          </p:spPr>
+          <p:txBody>
+            <a:bodyPr spcFirstLastPara="1" wrap="square" lIns="91425" tIns="91425" rIns="91425" bIns="91425" anchor="ctr" anchorCtr="0">
+              <a:noAutofit/>
+            </a:bodyPr>
+            <a:lstStyle/>
+            <a:p>
+              <a:r>
+                <a:rPr lang="en-US" dirty="0" err="1">
+                  <a:solidFill>
+                    <a:schemeClr val="bg1"/>
+                  </a:solidFill>
+                </a:rPr>
+                <a:t>Membantu</a:t>
+              </a:r>
+              <a:r>
+                <a:rPr lang="en-US" dirty="0">
+                  <a:solidFill>
+                    <a:schemeClr val="bg1"/>
+                  </a:solidFill>
+                </a:rPr>
+                <a:t> </a:t>
+              </a:r>
+              <a:r>
+                <a:rPr lang="en-US" dirty="0" err="1">
+                  <a:solidFill>
+                    <a:schemeClr val="bg1"/>
+                  </a:solidFill>
+                </a:rPr>
+                <a:t>mengoptimalkan</a:t>
+              </a:r>
+              <a:r>
+                <a:rPr lang="en-US" dirty="0">
+                  <a:solidFill>
+                    <a:schemeClr val="bg1"/>
+                  </a:solidFill>
+                </a:rPr>
+                <a:t> </a:t>
+              </a:r>
+              <a:r>
+                <a:rPr lang="en-US" dirty="0" err="1">
+                  <a:solidFill>
+                    <a:schemeClr val="bg1"/>
+                  </a:solidFill>
+                </a:rPr>
+                <a:t>pengajuan</a:t>
+              </a:r>
+              <a:r>
+                <a:rPr lang="en-US" dirty="0">
+                  <a:solidFill>
+                    <a:schemeClr val="bg1"/>
+                  </a:solidFill>
+                </a:rPr>
+                <a:t> </a:t>
+              </a:r>
+              <a:r>
+                <a:rPr lang="en-US" dirty="0" err="1">
+                  <a:solidFill>
+                    <a:schemeClr val="bg1"/>
+                  </a:solidFill>
+                </a:rPr>
+                <a:t>kegiatan</a:t>
+              </a:r>
+              <a:endParaRPr lang="id-ID" sz="1200" dirty="0">
+                <a:solidFill>
+                  <a:schemeClr val="bg1"/>
+                </a:solidFill>
+              </a:endParaRPr>
+            </a:p>
+          </p:txBody>
+        </p:sp>
+        <p:sp>
+          <p:nvSpPr>
+            <p:cNvPr id="805" name="Google Shape;805;p27"/>
+            <p:cNvSpPr/>
+            <p:nvPr/>
+          </p:nvSpPr>
+          <p:spPr>
+            <a:xfrm>
+              <a:off x="1518875" y="1080738"/>
+              <a:ext cx="489900" cy="489900"/>
+            </a:xfrm>
+            <a:prstGeom prst="ellipse">
+              <a:avLst/>
+            </a:prstGeom>
+            <a:solidFill>
+              <a:schemeClr val="dk2"/>
+            </a:solidFill>
+            <a:ln>
+              <a:noFill/>
+            </a:ln>
+          </p:spPr>
+          <p:txBody>
+            <a:bodyPr spcFirstLastPara="1" wrap="square" lIns="91425" tIns="91425" rIns="91425" bIns="91425" anchor="ctr" anchorCtr="0">
+              <a:noAutofit/>
+            </a:bodyPr>
+            <a:lstStyle/>
+            <a:p>
+              <a:pPr marL="0" lvl="0" indent="0" algn="ctr" rtl="0">
+                <a:spcBef>
+                  <a:spcPts val="0"/>
+                </a:spcBef>
+                <a:spcAft>
+                  <a:spcPts val="0"/>
+                </a:spcAft>
+                <a:buNone/>
+              </a:pPr>
+              <a:r>
+                <a:rPr lang="en" sz="2000">
+                  <a:solidFill>
+                    <a:schemeClr val="lt1"/>
+                  </a:solidFill>
+                  <a:latin typeface="Fira Sans Extra Condensed Medium"/>
+                  <a:ea typeface="Fira Sans Extra Condensed Medium"/>
+                  <a:cs typeface="Fira Sans Extra Condensed Medium"/>
+                  <a:sym typeface="Fira Sans Extra Condensed Medium"/>
+                </a:rPr>
+                <a:t>1</a:t>
+              </a:r>
+              <a:endParaRPr sz="2000">
+                <a:solidFill>
+                  <a:schemeClr val="lt1"/>
+                </a:solidFill>
+                <a:latin typeface="Fira Sans Extra Condensed Medium"/>
+                <a:ea typeface="Fira Sans Extra Condensed Medium"/>
+                <a:cs typeface="Fira Sans Extra Condensed Medium"/>
+                <a:sym typeface="Fira Sans Extra Condensed Medium"/>
+              </a:endParaRPr>
+            </a:p>
+          </p:txBody>
+        </p:sp>
+      </p:grpSp>
+      <p:grpSp>
+        <p:nvGrpSpPr>
+          <p:cNvPr id="806" name="Google Shape;806;p27"/>
+          <p:cNvGrpSpPr/>
+          <p:nvPr/>
+        </p:nvGrpSpPr>
+        <p:grpSpPr>
+          <a:xfrm>
+            <a:off x="885300" y="1907242"/>
+            <a:ext cx="7373400" cy="837025"/>
+            <a:chOff x="1237125" y="1885725"/>
+            <a:chExt cx="7373400" cy="837025"/>
+          </a:xfrm>
+        </p:grpSpPr>
+        <p:sp>
+          <p:nvSpPr>
+            <p:cNvPr id="807" name="Google Shape;807;p27"/>
+            <p:cNvSpPr/>
+            <p:nvPr/>
+          </p:nvSpPr>
+          <p:spPr>
+            <a:xfrm>
+              <a:off x="1237125" y="2063650"/>
+              <a:ext cx="7373400" cy="659100"/>
+            </a:xfrm>
+            <a:prstGeom prst="roundRect">
+              <a:avLst>
+                <a:gd name="adj" fmla="val 16667"/>
+              </a:avLst>
+            </a:prstGeom>
+            <a:solidFill>
+              <a:schemeClr val="lt2"/>
+            </a:solidFill>
+            <a:ln w="9525" cap="flat" cmpd="sng">
+              <a:solidFill>
+                <a:schemeClr val="dk2"/>
+              </a:solidFill>
+              <a:prstDash val="solid"/>
+              <a:round/>
+              <a:headEnd type="none" w="sm" len="sm"/>
+              <a:tailEnd type="none" w="sm" len="sm"/>
+            </a:ln>
+          </p:spPr>
+          <p:txBody>
+            <a:bodyPr spcFirstLastPara="1" wrap="square" lIns="91425" tIns="91425" rIns="91425" bIns="91425" anchor="ctr" anchorCtr="0">
+              <a:noAutofit/>
+            </a:bodyPr>
+            <a:lstStyle/>
+            <a:p>
+              <a:pPr marL="0" lvl="0" indent="0" algn="l" rtl="0">
+                <a:spcBef>
+                  <a:spcPts val="0"/>
+                </a:spcBef>
+                <a:spcAft>
+                  <a:spcPts val="0"/>
+                </a:spcAft>
+                <a:buNone/>
+              </a:pPr>
+              <a:endParaRPr/>
+            </a:p>
+          </p:txBody>
+        </p:sp>
+        <p:sp>
+          <p:nvSpPr>
+            <p:cNvPr id="808" name="Google Shape;808;p27"/>
+            <p:cNvSpPr/>
+            <p:nvPr/>
+          </p:nvSpPr>
+          <p:spPr>
+            <a:xfrm>
+              <a:off x="1237180" y="1885725"/>
+              <a:ext cx="1053300" cy="739375"/>
+            </a:xfrm>
+            <a:custGeom>
+              <a:avLst/>
+              <a:gdLst/>
+              <a:ahLst/>
+              <a:cxnLst/>
+              <a:rect l="l" t="t" r="r" b="b"/>
+              <a:pathLst>
+                <a:path w="42132" h="29575" extrusionOk="0">
+                  <a:moveTo>
+                    <a:pt x="3209" y="0"/>
+                  </a:moveTo>
+                  <a:cubicBezTo>
+                    <a:pt x="1429" y="0"/>
+                    <a:pt x="0" y="1429"/>
+                    <a:pt x="0" y="3208"/>
+                  </a:cubicBezTo>
+                  <a:lnTo>
+                    <a:pt x="0" y="29574"/>
+                  </a:lnTo>
+                  <a:cubicBezTo>
+                    <a:pt x="0" y="27795"/>
+                    <a:pt x="1429" y="26341"/>
+                    <a:pt x="3209" y="26341"/>
+                  </a:cubicBezTo>
+                  <a:lnTo>
+                    <a:pt x="34537" y="26341"/>
+                  </a:lnTo>
+                  <a:lnTo>
+                    <a:pt x="42131" y="13158"/>
+                  </a:lnTo>
+                  <a:lnTo>
+                    <a:pt x="34537" y="0"/>
+                  </a:lnTo>
+                  <a:close/>
+                </a:path>
+              </a:pathLst>
+            </a:custGeom>
+            <a:solidFill>
+              <a:schemeClr val="lt1"/>
+            </a:solidFill>
+            <a:ln w="19050" cap="flat" cmpd="sng">
+              <a:solidFill>
+                <a:schemeClr val="dk2"/>
+              </a:solidFill>
+              <a:prstDash val="solid"/>
+              <a:round/>
+              <a:headEnd type="none" w="sm" len="sm"/>
+              <a:tailEnd type="none" w="sm" len="sm"/>
+            </a:ln>
+          </p:spPr>
+          <p:txBody>
+            <a:bodyPr spcFirstLastPara="1" wrap="square" lIns="91425" tIns="91425" rIns="91425" bIns="91425" anchor="ctr" anchorCtr="0">
+              <a:noAutofit/>
+            </a:bodyPr>
+            <a:lstStyle/>
+            <a:p>
+              <a:pPr marL="0" lvl="0" indent="0" algn="l" rtl="0">
+                <a:spcBef>
+                  <a:spcPts val="0"/>
+                </a:spcBef>
+                <a:spcAft>
+                  <a:spcPts val="0"/>
+                </a:spcAft>
+                <a:buNone/>
+              </a:pPr>
+              <a:endParaRPr/>
+            </a:p>
+          </p:txBody>
+        </p:sp>
+        <p:sp>
+          <p:nvSpPr>
+            <p:cNvPr id="809" name="Google Shape;809;p27"/>
+            <p:cNvSpPr txBox="1"/>
+            <p:nvPr/>
+          </p:nvSpPr>
+          <p:spPr>
+            <a:xfrm>
+              <a:off x="2382505" y="2269776"/>
+              <a:ext cx="5946999" cy="208553"/>
+            </a:xfrm>
+            <a:prstGeom prst="rect">
+              <a:avLst/>
+            </a:prstGeom>
+            <a:noFill/>
+            <a:ln>
+              <a:noFill/>
+            </a:ln>
+          </p:spPr>
+          <p:txBody>
+            <a:bodyPr spcFirstLastPara="1" wrap="square" lIns="91425" tIns="91425" rIns="91425" bIns="91425" anchor="ctr" anchorCtr="0">
+              <a:noAutofit/>
+            </a:bodyPr>
+            <a:lstStyle/>
+            <a:p>
+              <a:r>
+                <a:rPr lang="en-US" dirty="0" err="1">
+                  <a:solidFill>
+                    <a:schemeClr val="bg1"/>
+                  </a:solidFill>
+                </a:rPr>
+                <a:t>Melatih</a:t>
+              </a:r>
+              <a:r>
+                <a:rPr lang="en-US" dirty="0">
+                  <a:solidFill>
+                    <a:schemeClr val="bg1"/>
+                  </a:solidFill>
+                </a:rPr>
+                <a:t> </a:t>
+              </a:r>
+              <a:r>
+                <a:rPr lang="en-US" dirty="0" err="1">
+                  <a:solidFill>
+                    <a:schemeClr val="bg1"/>
+                  </a:solidFill>
+                </a:rPr>
+                <a:t>kedisiplinan</a:t>
+              </a:r>
+              <a:r>
+                <a:rPr lang="en-US" dirty="0">
+                  <a:solidFill>
+                    <a:schemeClr val="bg1"/>
+                  </a:solidFill>
+                </a:rPr>
+                <a:t> </a:t>
+              </a:r>
+              <a:r>
+                <a:rPr lang="en-US" dirty="0" err="1">
+                  <a:solidFill>
+                    <a:schemeClr val="bg1"/>
+                  </a:solidFill>
+                </a:rPr>
+                <a:t>ormawa</a:t>
+              </a:r>
+              <a:endParaRPr lang="id-ID" sz="1200" dirty="0">
+                <a:solidFill>
+                  <a:schemeClr val="bg1"/>
+                </a:solidFill>
+              </a:endParaRPr>
+            </a:p>
+          </p:txBody>
+        </p:sp>
+        <p:sp>
+          <p:nvSpPr>
+            <p:cNvPr id="811" name="Google Shape;811;p27"/>
+            <p:cNvSpPr/>
+            <p:nvPr/>
+          </p:nvSpPr>
+          <p:spPr>
+            <a:xfrm>
+              <a:off x="1518875" y="1972346"/>
+              <a:ext cx="489900" cy="489900"/>
+            </a:xfrm>
+            <a:prstGeom prst="ellipse">
+              <a:avLst/>
+            </a:prstGeom>
+            <a:solidFill>
+              <a:schemeClr val="lt2"/>
+            </a:solidFill>
+            <a:ln>
+              <a:noFill/>
+            </a:ln>
+          </p:spPr>
+          <p:txBody>
+            <a:bodyPr spcFirstLastPara="1" wrap="square" lIns="91425" tIns="91425" rIns="91425" bIns="91425" anchor="ctr" anchorCtr="0">
+              <a:noAutofit/>
+            </a:bodyPr>
+            <a:lstStyle/>
+            <a:p>
+              <a:pPr marL="0" lvl="0" indent="0" algn="ctr" rtl="0">
+                <a:spcBef>
+                  <a:spcPts val="0"/>
+                </a:spcBef>
+                <a:spcAft>
+                  <a:spcPts val="0"/>
+                </a:spcAft>
+                <a:buNone/>
+              </a:pPr>
+              <a:r>
+                <a:rPr lang="en" sz="2000">
+                  <a:solidFill>
+                    <a:schemeClr val="lt1"/>
+                  </a:solidFill>
+                  <a:latin typeface="Fira Sans Extra Condensed Medium"/>
+                  <a:ea typeface="Fira Sans Extra Condensed Medium"/>
+                  <a:cs typeface="Fira Sans Extra Condensed Medium"/>
+                  <a:sym typeface="Fira Sans Extra Condensed Medium"/>
+                </a:rPr>
+                <a:t>2</a:t>
+              </a:r>
+              <a:endParaRPr sz="2000">
+                <a:solidFill>
+                  <a:schemeClr val="lt1"/>
+                </a:solidFill>
+                <a:latin typeface="Fira Sans Extra Condensed Medium"/>
+                <a:ea typeface="Fira Sans Extra Condensed Medium"/>
+                <a:cs typeface="Fira Sans Extra Condensed Medium"/>
+                <a:sym typeface="Fira Sans Extra Condensed Medium"/>
+              </a:endParaRPr>
+            </a:p>
+          </p:txBody>
+        </p:sp>
+      </p:grpSp>
+      <p:grpSp>
+        <p:nvGrpSpPr>
+          <p:cNvPr id="818" name="Google Shape;818;p27"/>
+          <p:cNvGrpSpPr/>
+          <p:nvPr/>
+        </p:nvGrpSpPr>
+        <p:grpSpPr>
+          <a:xfrm>
+            <a:off x="885300" y="2871070"/>
+            <a:ext cx="7373400" cy="837050"/>
+            <a:chOff x="1237125" y="3668925"/>
+            <a:chExt cx="7373400" cy="837050"/>
+          </a:xfrm>
+        </p:grpSpPr>
+        <p:sp>
+          <p:nvSpPr>
+            <p:cNvPr id="819" name="Google Shape;819;p27"/>
+            <p:cNvSpPr/>
+            <p:nvPr/>
+          </p:nvSpPr>
+          <p:spPr>
+            <a:xfrm>
+              <a:off x="1237125" y="3846875"/>
+              <a:ext cx="7373400" cy="659100"/>
+            </a:xfrm>
+            <a:prstGeom prst="roundRect">
+              <a:avLst>
+                <a:gd name="adj" fmla="val 16667"/>
+              </a:avLst>
+            </a:prstGeom>
+            <a:solidFill>
+              <a:schemeClr val="accent2"/>
+            </a:solidFill>
+            <a:ln w="9525" cap="flat" cmpd="sng">
+              <a:solidFill>
+                <a:schemeClr val="accent1"/>
+              </a:solidFill>
+              <a:prstDash val="solid"/>
+              <a:round/>
+              <a:headEnd type="none" w="sm" len="sm"/>
+              <a:tailEnd type="none" w="sm" len="sm"/>
+            </a:ln>
+          </p:spPr>
+          <p:txBody>
+            <a:bodyPr spcFirstLastPara="1" wrap="square" lIns="91425" tIns="91425" rIns="91425" bIns="91425" anchor="ctr" anchorCtr="0">
+              <a:noAutofit/>
+            </a:bodyPr>
+            <a:lstStyle/>
+            <a:p>
+              <a:pPr marL="0" lvl="0" indent="0" algn="l" rtl="0">
+                <a:spcBef>
+                  <a:spcPts val="0"/>
+                </a:spcBef>
+                <a:spcAft>
+                  <a:spcPts val="0"/>
+                </a:spcAft>
+                <a:buNone/>
+              </a:pPr>
+              <a:endParaRPr/>
+            </a:p>
+          </p:txBody>
+        </p:sp>
+        <p:sp>
+          <p:nvSpPr>
+            <p:cNvPr id="820" name="Google Shape;820;p27"/>
+            <p:cNvSpPr/>
+            <p:nvPr/>
+          </p:nvSpPr>
+          <p:spPr>
+            <a:xfrm>
+              <a:off x="1237180" y="3668925"/>
+              <a:ext cx="1053300" cy="739375"/>
+            </a:xfrm>
+            <a:custGeom>
+              <a:avLst/>
+              <a:gdLst/>
+              <a:ahLst/>
+              <a:cxnLst/>
+              <a:rect l="l" t="t" r="r" b="b"/>
+              <a:pathLst>
+                <a:path w="42132" h="29575" extrusionOk="0">
+                  <a:moveTo>
+                    <a:pt x="3209" y="1"/>
+                  </a:moveTo>
+                  <a:cubicBezTo>
+                    <a:pt x="1429" y="1"/>
+                    <a:pt x="0" y="1429"/>
+                    <a:pt x="0" y="3209"/>
+                  </a:cubicBezTo>
+                  <a:lnTo>
+                    <a:pt x="0" y="29575"/>
+                  </a:lnTo>
+                  <a:cubicBezTo>
+                    <a:pt x="0" y="27795"/>
+                    <a:pt x="1429" y="26342"/>
+                    <a:pt x="3209" y="26342"/>
+                  </a:cubicBezTo>
+                  <a:lnTo>
+                    <a:pt x="34537" y="26342"/>
+                  </a:lnTo>
+                  <a:lnTo>
+                    <a:pt x="42131" y="13159"/>
+                  </a:lnTo>
+                  <a:lnTo>
+                    <a:pt x="34537" y="1"/>
+                  </a:lnTo>
+                  <a:close/>
+                </a:path>
+              </a:pathLst>
+            </a:custGeom>
+            <a:solidFill>
+              <a:schemeClr val="lt1"/>
+            </a:solidFill>
+            <a:ln w="9525" cap="flat" cmpd="sng">
+              <a:solidFill>
+                <a:schemeClr val="accent1"/>
+              </a:solidFill>
+              <a:prstDash val="solid"/>
+              <a:round/>
+              <a:headEnd type="none" w="sm" len="sm"/>
+              <a:tailEnd type="none" w="sm" len="sm"/>
+            </a:ln>
+          </p:spPr>
+          <p:txBody>
+            <a:bodyPr spcFirstLastPara="1" wrap="square" lIns="91425" tIns="91425" rIns="91425" bIns="91425" anchor="ctr" anchorCtr="0">
+              <a:noAutofit/>
+            </a:bodyPr>
+            <a:lstStyle/>
+            <a:p>
+              <a:pPr marL="0" lvl="0" indent="0" algn="l" rtl="0">
+                <a:spcBef>
+                  <a:spcPts val="0"/>
+                </a:spcBef>
+                <a:spcAft>
+                  <a:spcPts val="0"/>
+                </a:spcAft>
+                <a:buNone/>
+              </a:pPr>
+              <a:endParaRPr/>
+            </a:p>
+          </p:txBody>
+        </p:sp>
+        <p:sp>
+          <p:nvSpPr>
+            <p:cNvPr id="821" name="Google Shape;821;p27"/>
+            <p:cNvSpPr txBox="1"/>
+            <p:nvPr/>
+          </p:nvSpPr>
+          <p:spPr>
+            <a:xfrm>
+              <a:off x="2382505" y="3982663"/>
+              <a:ext cx="5986800" cy="262800"/>
+            </a:xfrm>
+            <a:prstGeom prst="rect">
+              <a:avLst/>
+            </a:prstGeom>
+            <a:noFill/>
+            <a:ln>
+              <a:noFill/>
+            </a:ln>
+          </p:spPr>
+          <p:txBody>
+            <a:bodyPr spcFirstLastPara="1" wrap="square" lIns="91425" tIns="91425" rIns="91425" bIns="91425" anchor="ctr" anchorCtr="0">
+              <a:noAutofit/>
+            </a:bodyPr>
+            <a:lstStyle/>
+            <a:p>
+              <a:r>
+                <a:rPr lang="en-US" dirty="0" err="1">
+                  <a:solidFill>
+                    <a:schemeClr val="bg1"/>
+                  </a:solidFill>
+                </a:rPr>
+                <a:t>Sebagai</a:t>
+              </a:r>
+              <a:r>
+                <a:rPr lang="en-US" dirty="0">
+                  <a:solidFill>
+                    <a:schemeClr val="bg1"/>
+                  </a:solidFill>
+                </a:rPr>
+                <a:t> </a:t>
+              </a:r>
+              <a:r>
+                <a:rPr lang="en-US" dirty="0" err="1">
+                  <a:solidFill>
+                    <a:schemeClr val="bg1"/>
+                  </a:solidFill>
+                </a:rPr>
+                <a:t>bahan</a:t>
+              </a:r>
+              <a:r>
+                <a:rPr lang="en-US" dirty="0">
+                  <a:solidFill>
+                    <a:schemeClr val="bg1"/>
+                  </a:solidFill>
+                </a:rPr>
+                <a:t> </a:t>
+              </a:r>
+              <a:r>
+                <a:rPr lang="en-US" dirty="0" err="1">
+                  <a:solidFill>
+                    <a:schemeClr val="bg1"/>
+                  </a:solidFill>
+                </a:rPr>
+                <a:t>alternatif</a:t>
+              </a:r>
+              <a:r>
+                <a:rPr lang="en-US" dirty="0">
+                  <a:solidFill>
+                    <a:schemeClr val="bg1"/>
+                  </a:solidFill>
+                </a:rPr>
+                <a:t> </a:t>
+              </a:r>
+              <a:r>
+                <a:rPr lang="en-US" dirty="0" err="1">
+                  <a:solidFill>
+                    <a:schemeClr val="bg1"/>
+                  </a:solidFill>
+                </a:rPr>
+                <a:t>dalam</a:t>
+              </a:r>
+              <a:r>
+                <a:rPr lang="en-US" dirty="0">
+                  <a:solidFill>
+                    <a:schemeClr val="bg1"/>
+                  </a:solidFill>
+                </a:rPr>
+                <a:t> </a:t>
+              </a:r>
+              <a:r>
+                <a:rPr lang="en-US" dirty="0" err="1">
+                  <a:solidFill>
+                    <a:schemeClr val="bg1"/>
+                  </a:solidFill>
+                </a:rPr>
+                <a:t>mengawasi</a:t>
+              </a:r>
+              <a:r>
+                <a:rPr lang="en-US" dirty="0">
+                  <a:solidFill>
+                    <a:schemeClr val="bg1"/>
+                  </a:solidFill>
+                </a:rPr>
+                <a:t> </a:t>
+              </a:r>
+              <a:r>
+                <a:rPr lang="en-US" dirty="0" err="1">
+                  <a:solidFill>
+                    <a:schemeClr val="bg1"/>
+                  </a:solidFill>
+                </a:rPr>
+                <a:t>ormawa</a:t>
+              </a:r>
+              <a:endParaRPr lang="id-ID" sz="1200" dirty="0">
+                <a:solidFill>
+                  <a:schemeClr val="bg1"/>
+                </a:solidFill>
+              </a:endParaRPr>
+            </a:p>
+          </p:txBody>
+        </p:sp>
+        <p:sp>
+          <p:nvSpPr>
+            <p:cNvPr id="823" name="Google Shape;823;p27"/>
+            <p:cNvSpPr/>
+            <p:nvPr/>
+          </p:nvSpPr>
+          <p:spPr>
+            <a:xfrm>
+              <a:off x="1518875" y="3755563"/>
+              <a:ext cx="489900" cy="489900"/>
+            </a:xfrm>
+            <a:prstGeom prst="ellipse">
+              <a:avLst/>
+            </a:prstGeom>
+            <a:solidFill>
+              <a:schemeClr val="accent2"/>
+            </a:solidFill>
+            <a:ln>
+              <a:noFill/>
+            </a:ln>
+          </p:spPr>
+          <p:txBody>
+            <a:bodyPr spcFirstLastPara="1" wrap="square" lIns="91425" tIns="91425" rIns="91425" bIns="91425" anchor="ctr" anchorCtr="0">
+              <a:noAutofit/>
+            </a:bodyPr>
+            <a:lstStyle/>
+            <a:p>
+              <a:pPr marL="0" lvl="0" indent="0" algn="ctr" rtl="0">
+                <a:spcBef>
+                  <a:spcPts val="0"/>
+                </a:spcBef>
+                <a:spcAft>
+                  <a:spcPts val="0"/>
+                </a:spcAft>
+                <a:buNone/>
+              </a:pPr>
+              <a:r>
+                <a:rPr lang="en" sz="2000" dirty="0">
+                  <a:solidFill>
+                    <a:schemeClr val="lt1"/>
+                  </a:solidFill>
+                  <a:latin typeface="Fira Sans Extra Condensed Medium"/>
+                  <a:ea typeface="Fira Sans Extra Condensed Medium"/>
+                  <a:cs typeface="Fira Sans Extra Condensed Medium"/>
+                  <a:sym typeface="Fira Sans Extra Condensed Medium"/>
+                </a:rPr>
+                <a:t>3</a:t>
+              </a:r>
+              <a:endParaRPr sz="2000" dirty="0">
+                <a:solidFill>
+                  <a:schemeClr val="lt1"/>
+                </a:solidFill>
+                <a:latin typeface="Fira Sans Extra Condensed Medium"/>
+                <a:ea typeface="Fira Sans Extra Condensed Medium"/>
+                <a:cs typeface="Fira Sans Extra Condensed Medium"/>
+                <a:sym typeface="Fira Sans Extra Condensed Medium"/>
+              </a:endParaRPr>
+            </a:p>
+          </p:txBody>
+        </p:sp>
+      </p:grpSp>
+    </p:spTree>
+    <p:extLst>
+      <p:ext uri="{BB962C8B-B14F-4D97-AF65-F5344CB8AC3E}">
+        <p14:creationId xmlns:p14="http://schemas.microsoft.com/office/powerpoint/2010/main" val="4099750930"/>
+      </p:ext>
+    </p:extLst>
+  </p:cSld>
+  <p:clrMapOvr>
+    <a:masterClrMapping/>
+  </p:clrMapOvr>
+</p:sld>
+</file>
+
+<file path=ppt/slides/slide6.xml><?xml version="1.0" encoding="utf-8"?>
+<p:sld xmlns:a="http://schemas.openxmlformats.org/drawingml/2006/main" xmlns:r="http://schemas.openxmlformats.org/officeDocument/2006/relationships" xmlns:p="http://schemas.openxmlformats.org/presentationml/2006/main">
+  <p:cSld>
+    <p:spTree>
+      <p:nvGrpSpPr>
         <p:cNvPr id="1" name="Shape 769"/>
         <p:cNvGrpSpPr/>
         <p:nvPr/>
@@ -11100,7 +13383,7 @@
             </a:pPr>
             <a:r>
               <a:rPr lang="en" dirty="0"/>
-              <a:t>Metodologi Pengembangan Siatem</a:t>
+              <a:t>Metodologi Pengembangan Sistem</a:t>
             </a:r>
             <a:br>
               <a:rPr lang="en" dirty="0"/>
@@ -12469,7 +14752,7 @@
 </p:sld>
 </file>
 
-<file path=ppt/slides/slide6.xml><?xml version="1.0" encoding="utf-8"?>
+<file path=ppt/slides/slide7.xml><?xml version="1.0" encoding="utf-8"?>
 <p:sld xmlns:a="http://schemas.openxmlformats.org/drawingml/2006/main" xmlns:r="http://schemas.openxmlformats.org/officeDocument/2006/relationships" xmlns:p="http://schemas.openxmlformats.org/presentationml/2006/main">
   <p:cSld>
     <p:spTree>
@@ -12559,7 +14842,7 @@
 </p:sld>
 </file>
 
-<file path=ppt/slides/slide7.xml><?xml version="1.0" encoding="utf-8"?>
+<file path=ppt/slides/slide8.xml><?xml version="1.0" encoding="utf-8"?>
 <p:sld xmlns:a="http://schemas.openxmlformats.org/drawingml/2006/main" xmlns:r="http://schemas.openxmlformats.org/officeDocument/2006/relationships" xmlns:p="http://schemas.openxmlformats.org/presentationml/2006/main">
   <p:cSld>
     <p:spTree>
@@ -12679,7 +14962,7 @@
 </p:sld>
 </file>
 
-<file path=ppt/slides/slide8.xml><?xml version="1.0" encoding="utf-8"?>
+<file path=ppt/slides/slide9.xml><?xml version="1.0" encoding="utf-8"?>
 <p:sld xmlns:a="http://schemas.openxmlformats.org/drawingml/2006/main" xmlns:r="http://schemas.openxmlformats.org/officeDocument/2006/relationships" xmlns:p="http://schemas.openxmlformats.org/presentationml/2006/main">
   <p:cSld>
     <p:spTree>
@@ -12776,87 +15059,6 @@
     <p:extLst>
       <p:ext uri="{BB962C8B-B14F-4D97-AF65-F5344CB8AC3E}">
         <p14:creationId xmlns:p14="http://schemas.microsoft.com/office/powerpoint/2010/main" val="2442203108"/>
-      </p:ext>
-    </p:extLst>
-  </p:cSld>
-  <p:clrMapOvr>
-    <a:masterClrMapping/>
-  </p:clrMapOvr>
-</p:sld>
-</file>
-
-<file path=ppt/slides/slide9.xml><?xml version="1.0" encoding="utf-8"?>
-<p:sld xmlns:a="http://schemas.openxmlformats.org/drawingml/2006/main" xmlns:r="http://schemas.openxmlformats.org/officeDocument/2006/relationships" xmlns:p="http://schemas.openxmlformats.org/presentationml/2006/main">
-  <p:cSld>
-    <p:spTree>
-      <p:nvGrpSpPr>
-        <p:cNvPr id="1" name="Shape 864"/>
-        <p:cNvGrpSpPr/>
-        <p:nvPr/>
-      </p:nvGrpSpPr>
-      <p:grpSpPr>
-        <a:xfrm>
-          <a:off x="0" y="0"/>
-          <a:ext cx="0" cy="0"/>
-          <a:chOff x="0" y="0"/>
-          <a:chExt cx="0" cy="0"/>
-        </a:xfrm>
-      </p:grpSpPr>
-      <p:sp>
-        <p:nvSpPr>
-          <p:cNvPr id="865" name="Google Shape;865;p29"/>
-          <p:cNvSpPr txBox="1">
-            <a:spLocks noGrp="1"/>
-          </p:cNvSpPr>
-          <p:nvPr>
-            <p:ph type="title"/>
-          </p:nvPr>
-        </p:nvSpPr>
-        <p:spPr>
-          <a:xfrm>
-            <a:off x="1711905" y="101590"/>
-            <a:ext cx="5971429" cy="302170"/>
-          </a:xfrm>
-        </p:spPr>
-        <p:txBody>
-          <a:bodyPr/>
-          <a:lstStyle/>
-          <a:p>
-            <a:pPr lvl="0"/>
-            <a:r>
-              <a:rPr lang="id-ID" dirty="0"/>
-              <a:t>Usecase diagram yang diusulkan</a:t>
-            </a:r>
-          </a:p>
-        </p:txBody>
-      </p:sp>
-      <p:pic>
-        <p:nvPicPr>
-          <p:cNvPr id="5" name="Picture 4"/>
-          <p:cNvPicPr>
-            <a:picLocks noChangeAspect="1"/>
-          </p:cNvPicPr>
-          <p:nvPr/>
-        </p:nvPicPr>
-        <p:blipFill rotWithShape="1">
-          <a:blip r:embed="rId3"/>
-          <a:srcRect l="698" r="3430" b="6184"/>
-          <a:stretch/>
-        </p:blipFill>
-        <p:spPr>
-          <a:xfrm>
-            <a:off x="633172" y="568654"/>
-            <a:ext cx="8128893" cy="4359605"/>
-          </a:xfrm>
-          <a:prstGeom prst="rect">
-            <a:avLst/>
-          </a:prstGeom>
-        </p:spPr>
-      </p:pic>
-    </p:spTree>
-    <p:extLst>
-      <p:ext uri="{BB962C8B-B14F-4D97-AF65-F5344CB8AC3E}">
-        <p14:creationId xmlns:p14="http://schemas.microsoft.com/office/powerpoint/2010/main" val="3205348022"/>
       </p:ext>
     </p:extLst>
   </p:cSld>
